--- a/presentations/source/06-ESB.pptx
+++ b/presentations/source/06-ESB.pptx
@@ -231,7 +231,7 @@
             <a:fld id="{7307762F-A706-E543-A832-3C298AA3103F}" type="datetimeFigureOut">
               <a:rPr lang="en-US" smtClean="0"/>
               <a:pPr/>
-              <a:t>12/12/2012</a:t>
+              <a:t>18/12/2012</a:t>
             </a:fld>
             <a:endParaRPr lang="en-US" dirty="0"/>
           </a:p>
@@ -1065,7 +1065,7 @@
           <a:p>
             <a:fld id="{875CF0EB-321F-0749-B37A-89BBA859503C}" type="datetimeFigureOut">
               <a:rPr lang="en-US" smtClean="0"/>
-              <a:t>12/12/2012</a:t>
+              <a:t>18/12/2012</a:t>
             </a:fld>
             <a:endParaRPr lang="en-US"/>
           </a:p>
@@ -1269,7 +1269,7 @@
           <a:p>
             <a:fld id="{875CF0EB-321F-0749-B37A-89BBA859503C}" type="datetimeFigureOut">
               <a:rPr lang="en-US" smtClean="0"/>
-              <a:t>12/12/2012</a:t>
+              <a:t>18/12/2012</a:t>
             </a:fld>
             <a:endParaRPr lang="en-US"/>
           </a:p>
@@ -1463,7 +1463,7 @@
           <a:p>
             <a:fld id="{875CF0EB-321F-0749-B37A-89BBA859503C}" type="datetimeFigureOut">
               <a:rPr lang="en-US" smtClean="0"/>
-              <a:t>12/12/2012</a:t>
+              <a:t>18/12/2012</a:t>
             </a:fld>
             <a:endParaRPr lang="en-US"/>
           </a:p>
@@ -1733,7 +1733,7 @@
           <a:p>
             <a:fld id="{875CF0EB-321F-0749-B37A-89BBA859503C}" type="datetimeFigureOut">
               <a:rPr lang="en-US" smtClean="0"/>
-              <a:t>12/12/2012</a:t>
+              <a:t>18/12/2012</a:t>
             </a:fld>
             <a:endParaRPr lang="en-US"/>
           </a:p>
@@ -2045,7 +2045,7 @@
           <a:p>
             <a:fld id="{875CF0EB-321F-0749-B37A-89BBA859503C}" type="datetimeFigureOut">
               <a:rPr lang="en-US" smtClean="0"/>
-              <a:t>12/12/2012</a:t>
+              <a:t>18/12/2012</a:t>
             </a:fld>
             <a:endParaRPr lang="en-US"/>
           </a:p>
@@ -2491,7 +2491,7 @@
           <a:p>
             <a:fld id="{875CF0EB-321F-0749-B37A-89BBA859503C}" type="datetimeFigureOut">
               <a:rPr lang="en-US" smtClean="0"/>
-              <a:t>12/12/2012</a:t>
+              <a:t>18/12/2012</a:t>
             </a:fld>
             <a:endParaRPr lang="en-US"/>
           </a:p>
@@ -2633,7 +2633,7 @@
           <a:p>
             <a:fld id="{875CF0EB-321F-0749-B37A-89BBA859503C}" type="datetimeFigureOut">
               <a:rPr lang="en-US" smtClean="0"/>
-              <a:t>12/12/2012</a:t>
+              <a:t>18/12/2012</a:t>
             </a:fld>
             <a:endParaRPr lang="en-US"/>
           </a:p>
@@ -2752,7 +2752,7 @@
           <a:p>
             <a:fld id="{875CF0EB-321F-0749-B37A-89BBA859503C}" type="datetimeFigureOut">
               <a:rPr lang="en-US" smtClean="0"/>
-              <a:t>12/12/2012</a:t>
+              <a:t>18/12/2012</a:t>
             </a:fld>
             <a:endParaRPr lang="en-US"/>
           </a:p>
@@ -3053,7 +3053,7 @@
           <a:p>
             <a:fld id="{875CF0EB-321F-0749-B37A-89BBA859503C}" type="datetimeFigureOut">
               <a:rPr lang="en-US" smtClean="0"/>
-              <a:t>12/12/2012</a:t>
+              <a:t>18/12/2012</a:t>
             </a:fld>
             <a:endParaRPr lang="en-US"/>
           </a:p>
@@ -3330,7 +3330,7 @@
           <a:p>
             <a:fld id="{875CF0EB-321F-0749-B37A-89BBA859503C}" type="datetimeFigureOut">
               <a:rPr lang="en-US" smtClean="0"/>
-              <a:t>12/12/2012</a:t>
+              <a:t>18/12/2012</a:t>
             </a:fld>
             <a:endParaRPr lang="en-US"/>
           </a:p>
@@ -4131,10 +4131,56 @@
           <a:lstStyle/>
           <a:p>
             <a:r>
-              <a:rPr lang="en-US" dirty="0" smtClean="0"/>
+              <a:rPr lang="en-US" smtClean="0"/>
               <a:t>Enterprise Service Bus</a:t>
             </a:r>
             <a:endParaRPr lang="en-US" dirty="0"/>
+          </a:p>
+        </p:txBody>
+      </p:sp>
+      <p:sp>
+        <p:nvSpPr>
+          <p:cNvPr id="4" name="Subtitle 3"/>
+          <p:cNvSpPr>
+            <a:spLocks noGrp="1"/>
+          </p:cNvSpPr>
+          <p:nvPr>
+            <p:ph type="subTitle" idx="1"/>
+          </p:nvPr>
+        </p:nvSpPr>
+        <p:spPr/>
+        <p:txBody>
+          <a:bodyPr/>
+          <a:lstStyle/>
+          <a:p>
+            <a:r>
+              <a:rPr lang="en-US" dirty="0">
+                <a:ea typeface="ヒラギノ角ゴ ProN W3" charset="0"/>
+                <a:cs typeface="ヒラギノ角ゴ ProN W3" charset="0"/>
+              </a:rPr>
+              <a:t>Oxford University </a:t>
+            </a:r>
+          </a:p>
+          <a:p>
+            <a:r>
+              <a:rPr lang="en-US" dirty="0">
+                <a:ea typeface="ヒラギノ角ゴ ProN W3" charset="0"/>
+                <a:cs typeface="ヒラギノ角ゴ ProN W3" charset="0"/>
+              </a:rPr>
+              <a:t>Software Engineering Programme</a:t>
+            </a:r>
+          </a:p>
+          <a:p>
+            <a:r>
+              <a:rPr lang="en-US">
+                <a:ea typeface="ヒラギノ角ゴ ProN W3" charset="0"/>
+                <a:cs typeface="ヒラギノ角ゴ ProN W3" charset="0"/>
+              </a:rPr>
+              <a:t>Dec 2012</a:t>
+            </a:r>
+          </a:p>
+          <a:p>
+            <a:endParaRPr lang="en-US"/>
           </a:p>
         </p:txBody>
       </p:sp>

--- a/presentations/source/06-ESB.pptx
+++ b/presentations/source/06-ESB.pptx
@@ -231,7 +231,7 @@
             <a:fld id="{7307762F-A706-E543-A832-3C298AA3103F}" type="datetimeFigureOut">
               <a:rPr lang="en-US" smtClean="0"/>
               <a:pPr/>
-              <a:t>18/12/2012</a:t>
+              <a:t>11/27/13</a:t>
             </a:fld>
             <a:endParaRPr lang="en-US" dirty="0"/>
           </a:p>
@@ -1065,7 +1065,7 @@
           <a:p>
             <a:fld id="{875CF0EB-321F-0749-B37A-89BBA859503C}" type="datetimeFigureOut">
               <a:rPr lang="en-US" smtClean="0"/>
-              <a:t>18/12/2012</a:t>
+              <a:t>11/27/13</a:t>
             </a:fld>
             <a:endParaRPr lang="en-US"/>
           </a:p>
@@ -1269,7 +1269,7 @@
           <a:p>
             <a:fld id="{875CF0EB-321F-0749-B37A-89BBA859503C}" type="datetimeFigureOut">
               <a:rPr lang="en-US" smtClean="0"/>
-              <a:t>18/12/2012</a:t>
+              <a:t>11/27/13</a:t>
             </a:fld>
             <a:endParaRPr lang="en-US"/>
           </a:p>
@@ -1463,7 +1463,7 @@
           <a:p>
             <a:fld id="{875CF0EB-321F-0749-B37A-89BBA859503C}" type="datetimeFigureOut">
               <a:rPr lang="en-US" smtClean="0"/>
-              <a:t>18/12/2012</a:t>
+              <a:t>11/27/13</a:t>
             </a:fld>
             <a:endParaRPr lang="en-US"/>
           </a:p>
@@ -1733,7 +1733,7 @@
           <a:p>
             <a:fld id="{875CF0EB-321F-0749-B37A-89BBA859503C}" type="datetimeFigureOut">
               <a:rPr lang="en-US" smtClean="0"/>
-              <a:t>18/12/2012</a:t>
+              <a:t>11/27/13</a:t>
             </a:fld>
             <a:endParaRPr lang="en-US"/>
           </a:p>
@@ -2045,7 +2045,7 @@
           <a:p>
             <a:fld id="{875CF0EB-321F-0749-B37A-89BBA859503C}" type="datetimeFigureOut">
               <a:rPr lang="en-US" smtClean="0"/>
-              <a:t>18/12/2012</a:t>
+              <a:t>11/27/13</a:t>
             </a:fld>
             <a:endParaRPr lang="en-US"/>
           </a:p>
@@ -2491,7 +2491,7 @@
           <a:p>
             <a:fld id="{875CF0EB-321F-0749-B37A-89BBA859503C}" type="datetimeFigureOut">
               <a:rPr lang="en-US" smtClean="0"/>
-              <a:t>18/12/2012</a:t>
+              <a:t>11/27/13</a:t>
             </a:fld>
             <a:endParaRPr lang="en-US"/>
           </a:p>
@@ -2633,7 +2633,7 @@
           <a:p>
             <a:fld id="{875CF0EB-321F-0749-B37A-89BBA859503C}" type="datetimeFigureOut">
               <a:rPr lang="en-US" smtClean="0"/>
-              <a:t>18/12/2012</a:t>
+              <a:t>11/27/13</a:t>
             </a:fld>
             <a:endParaRPr lang="en-US"/>
           </a:p>
@@ -2752,7 +2752,7 @@
           <a:p>
             <a:fld id="{875CF0EB-321F-0749-B37A-89BBA859503C}" type="datetimeFigureOut">
               <a:rPr lang="en-US" smtClean="0"/>
-              <a:t>18/12/2012</a:t>
+              <a:t>11/27/13</a:t>
             </a:fld>
             <a:endParaRPr lang="en-US"/>
           </a:p>
@@ -3053,7 +3053,7 @@
           <a:p>
             <a:fld id="{875CF0EB-321F-0749-B37A-89BBA859503C}" type="datetimeFigureOut">
               <a:rPr lang="en-US" smtClean="0"/>
-              <a:t>18/12/2012</a:t>
+              <a:t>11/27/13</a:t>
             </a:fld>
             <a:endParaRPr lang="en-US"/>
           </a:p>
@@ -3330,7 +3330,7 @@
           <a:p>
             <a:fld id="{875CF0EB-321F-0749-B37A-89BBA859503C}" type="datetimeFigureOut">
               <a:rPr lang="en-US" smtClean="0"/>
-              <a:t>18/12/2012</a:t>
+              <a:t>11/27/13</a:t>
             </a:fld>
             <a:endParaRPr lang="en-US"/>
           </a:p>
@@ -4176,11 +4176,22 @@
                 <a:ea typeface="ヒラギノ角ゴ ProN W3" charset="0"/>
                 <a:cs typeface="ヒラギノ角ゴ ProN W3" charset="0"/>
               </a:rPr>
-              <a:t>Dec 2012</a:t>
-            </a:r>
-          </a:p>
-          <a:p>
-            <a:endParaRPr lang="en-US"/>
+              <a:t>Dec </a:t>
+            </a:r>
+            <a:r>
+              <a:rPr lang="en-US" smtClean="0">
+                <a:ea typeface="ヒラギノ角ゴ ProN W3" charset="0"/>
+                <a:cs typeface="ヒラギノ角ゴ ProN W3" charset="0"/>
+              </a:rPr>
+              <a:t>2013</a:t>
+            </a:r>
+            <a:endParaRPr lang="en-US">
+              <a:ea typeface="ヒラギノ角ゴ ProN W3" charset="0"/>
+              <a:cs typeface="ヒラギノ角ゴ ProN W3" charset="0"/>
+            </a:endParaRPr>
+          </a:p>
+          <a:p>
+            <a:endParaRPr lang="en-US" dirty="0"/>
           </a:p>
         </p:txBody>
       </p:sp>

--- a/presentations/source/06-ESB.pptx
+++ b/presentations/source/06-ESB.pptx
@@ -231,7 +231,7 @@
             <a:fld id="{7307762F-A706-E543-A832-3C298AA3103F}" type="datetimeFigureOut">
               <a:rPr lang="en-US" smtClean="0"/>
               <a:pPr/>
-              <a:t>11/27/13</a:t>
+              <a:t>11/21/14</a:t>
             </a:fld>
             <a:endParaRPr lang="en-US" dirty="0"/>
           </a:p>
@@ -1065,7 +1065,7 @@
           <a:p>
             <a:fld id="{875CF0EB-321F-0749-B37A-89BBA859503C}" type="datetimeFigureOut">
               <a:rPr lang="en-US" smtClean="0"/>
-              <a:t>11/27/13</a:t>
+              <a:t>11/21/14</a:t>
             </a:fld>
             <a:endParaRPr lang="en-US"/>
           </a:p>
@@ -1269,7 +1269,7 @@
           <a:p>
             <a:fld id="{875CF0EB-321F-0749-B37A-89BBA859503C}" type="datetimeFigureOut">
               <a:rPr lang="en-US" smtClean="0"/>
-              <a:t>11/27/13</a:t>
+              <a:t>11/21/14</a:t>
             </a:fld>
             <a:endParaRPr lang="en-US"/>
           </a:p>
@@ -1463,7 +1463,7 @@
           <a:p>
             <a:fld id="{875CF0EB-321F-0749-B37A-89BBA859503C}" type="datetimeFigureOut">
               <a:rPr lang="en-US" smtClean="0"/>
-              <a:t>11/27/13</a:t>
+              <a:t>11/21/14</a:t>
             </a:fld>
             <a:endParaRPr lang="en-US"/>
           </a:p>
@@ -1733,7 +1733,7 @@
           <a:p>
             <a:fld id="{875CF0EB-321F-0749-B37A-89BBA859503C}" type="datetimeFigureOut">
               <a:rPr lang="en-US" smtClean="0"/>
-              <a:t>11/27/13</a:t>
+              <a:t>11/21/14</a:t>
             </a:fld>
             <a:endParaRPr lang="en-US"/>
           </a:p>
@@ -2045,7 +2045,7 @@
           <a:p>
             <a:fld id="{875CF0EB-321F-0749-B37A-89BBA859503C}" type="datetimeFigureOut">
               <a:rPr lang="en-US" smtClean="0"/>
-              <a:t>11/27/13</a:t>
+              <a:t>11/21/14</a:t>
             </a:fld>
             <a:endParaRPr lang="en-US"/>
           </a:p>
@@ -2491,7 +2491,7 @@
           <a:p>
             <a:fld id="{875CF0EB-321F-0749-B37A-89BBA859503C}" type="datetimeFigureOut">
               <a:rPr lang="en-US" smtClean="0"/>
-              <a:t>11/27/13</a:t>
+              <a:t>11/21/14</a:t>
             </a:fld>
             <a:endParaRPr lang="en-US"/>
           </a:p>
@@ -2633,7 +2633,7 @@
           <a:p>
             <a:fld id="{875CF0EB-321F-0749-B37A-89BBA859503C}" type="datetimeFigureOut">
               <a:rPr lang="en-US" smtClean="0"/>
-              <a:t>11/27/13</a:t>
+              <a:t>11/21/14</a:t>
             </a:fld>
             <a:endParaRPr lang="en-US"/>
           </a:p>
@@ -2752,7 +2752,7 @@
           <a:p>
             <a:fld id="{875CF0EB-321F-0749-B37A-89BBA859503C}" type="datetimeFigureOut">
               <a:rPr lang="en-US" smtClean="0"/>
-              <a:t>11/27/13</a:t>
+              <a:t>11/21/14</a:t>
             </a:fld>
             <a:endParaRPr lang="en-US"/>
           </a:p>
@@ -3053,7 +3053,7 @@
           <a:p>
             <a:fld id="{875CF0EB-321F-0749-B37A-89BBA859503C}" type="datetimeFigureOut">
               <a:rPr lang="en-US" smtClean="0"/>
-              <a:t>11/27/13</a:t>
+              <a:t>11/21/14</a:t>
             </a:fld>
             <a:endParaRPr lang="en-US"/>
           </a:p>
@@ -3330,7 +3330,7 @@
           <a:p>
             <a:fld id="{875CF0EB-321F-0749-B37A-89BBA859503C}" type="datetimeFigureOut">
               <a:rPr lang="en-US" smtClean="0"/>
-              <a:t>11/27/13</a:t>
+              <a:t>11/21/14</a:t>
             </a:fld>
             <a:endParaRPr lang="en-US"/>
           </a:p>
@@ -4183,7 +4183,7 @@
                 <a:ea typeface="ヒラギノ角ゴ ProN W3" charset="0"/>
                 <a:cs typeface="ヒラギノ角ゴ ProN W3" charset="0"/>
               </a:rPr>
-              <a:t>2013</a:t>
+              <a:t>2014</a:t>
             </a:r>
             <a:endParaRPr lang="en-US">
               <a:ea typeface="ヒラギノ角ゴ ProN W3" charset="0"/>

--- a/presentations/source/06-ESB.pptx
+++ b/presentations/source/06-ESB.pptx
@@ -5,44 +5,45 @@
     <p:sldMasterId id="2147483648" r:id="rId1"/>
   </p:sldMasterIdLst>
   <p:notesMasterIdLst>
-    <p:notesMasterId r:id="rId37"/>
+    <p:notesMasterId r:id="rId38"/>
   </p:notesMasterIdLst>
   <p:sldIdLst>
     <p:sldId id="256" r:id="rId2"/>
-    <p:sldId id="257" r:id="rId3"/>
-    <p:sldId id="258" r:id="rId4"/>
-    <p:sldId id="260" r:id="rId5"/>
-    <p:sldId id="259" r:id="rId6"/>
-    <p:sldId id="261" r:id="rId7"/>
-    <p:sldId id="262" r:id="rId8"/>
-    <p:sldId id="263" r:id="rId9"/>
-    <p:sldId id="265" r:id="rId10"/>
-    <p:sldId id="266" r:id="rId11"/>
-    <p:sldId id="267" r:id="rId12"/>
-    <p:sldId id="285" r:id="rId13"/>
-    <p:sldId id="293" r:id="rId14"/>
-    <p:sldId id="264" r:id="rId15"/>
-    <p:sldId id="268" r:id="rId16"/>
-    <p:sldId id="269" r:id="rId17"/>
-    <p:sldId id="270" r:id="rId18"/>
-    <p:sldId id="271" r:id="rId19"/>
-    <p:sldId id="272" r:id="rId20"/>
-    <p:sldId id="273" r:id="rId21"/>
-    <p:sldId id="276" r:id="rId22"/>
-    <p:sldId id="277" r:id="rId23"/>
-    <p:sldId id="278" r:id="rId24"/>
-    <p:sldId id="279" r:id="rId25"/>
-    <p:sldId id="294" r:id="rId26"/>
-    <p:sldId id="295" r:id="rId27"/>
-    <p:sldId id="296" r:id="rId28"/>
-    <p:sldId id="297" r:id="rId29"/>
-    <p:sldId id="298" r:id="rId30"/>
-    <p:sldId id="299" r:id="rId31"/>
-    <p:sldId id="280" r:id="rId32"/>
-    <p:sldId id="281" r:id="rId33"/>
-    <p:sldId id="282" r:id="rId34"/>
-    <p:sldId id="284" r:id="rId35"/>
-    <p:sldId id="274" r:id="rId36"/>
+    <p:sldId id="300" r:id="rId3"/>
+    <p:sldId id="257" r:id="rId4"/>
+    <p:sldId id="258" r:id="rId5"/>
+    <p:sldId id="260" r:id="rId6"/>
+    <p:sldId id="259" r:id="rId7"/>
+    <p:sldId id="261" r:id="rId8"/>
+    <p:sldId id="262" r:id="rId9"/>
+    <p:sldId id="263" r:id="rId10"/>
+    <p:sldId id="265" r:id="rId11"/>
+    <p:sldId id="266" r:id="rId12"/>
+    <p:sldId id="267" r:id="rId13"/>
+    <p:sldId id="285" r:id="rId14"/>
+    <p:sldId id="293" r:id="rId15"/>
+    <p:sldId id="264" r:id="rId16"/>
+    <p:sldId id="268" r:id="rId17"/>
+    <p:sldId id="269" r:id="rId18"/>
+    <p:sldId id="270" r:id="rId19"/>
+    <p:sldId id="271" r:id="rId20"/>
+    <p:sldId id="272" r:id="rId21"/>
+    <p:sldId id="273" r:id="rId22"/>
+    <p:sldId id="276" r:id="rId23"/>
+    <p:sldId id="277" r:id="rId24"/>
+    <p:sldId id="278" r:id="rId25"/>
+    <p:sldId id="279" r:id="rId26"/>
+    <p:sldId id="294" r:id="rId27"/>
+    <p:sldId id="295" r:id="rId28"/>
+    <p:sldId id="296" r:id="rId29"/>
+    <p:sldId id="297" r:id="rId30"/>
+    <p:sldId id="298" r:id="rId31"/>
+    <p:sldId id="299" r:id="rId32"/>
+    <p:sldId id="280" r:id="rId33"/>
+    <p:sldId id="281" r:id="rId34"/>
+    <p:sldId id="282" r:id="rId35"/>
+    <p:sldId id="284" r:id="rId36"/>
+    <p:sldId id="274" r:id="rId37"/>
   </p:sldIdLst>
   <p:sldSz cx="9144000" cy="6858000" type="screen4x3"/>
   <p:notesSz cx="6858000" cy="9144000"/>
@@ -231,7 +232,7 @@
             <a:fld id="{7307762F-A706-E543-A832-3C298AA3103F}" type="datetimeFigureOut">
               <a:rPr lang="en-US" smtClean="0"/>
               <a:pPr/>
-              <a:t>11/21/14</a:t>
+              <a:t>08/09/15</a:t>
             </a:fld>
             <a:endParaRPr lang="en-US" dirty="0"/>
           </a:p>
@@ -541,7 +542,7 @@
             <a:fld id="{811640C0-C4C4-B348-A9FB-265EF5637517}" type="slidenum">
               <a:rPr lang="en-US"/>
               <a:pPr/>
-              <a:t>2</a:t>
+              <a:t>3</a:t>
             </a:fld>
             <a:endParaRPr lang="en-US"/>
           </a:p>
@@ -630,7 +631,7 @@
             <a:fld id="{688AE0F9-A1FD-F543-8787-565EFABB6692}" type="slidenum">
               <a:rPr lang="en-US"/>
               <a:pPr/>
-              <a:t>3</a:t>
+              <a:t>4</a:t>
             </a:fld>
             <a:endParaRPr lang="en-US"/>
           </a:p>
@@ -719,7 +720,7 @@
             <a:fld id="{C26DF389-0FA3-EE4D-887B-577D0BF4136F}" type="slidenum">
               <a:rPr lang="en-US"/>
               <a:pPr/>
-              <a:t>5</a:t>
+              <a:t>6</a:t>
             </a:fld>
             <a:endParaRPr lang="en-US"/>
           </a:p>
@@ -1065,7 +1066,7 @@
           <a:p>
             <a:fld id="{875CF0EB-321F-0749-B37A-89BBA859503C}" type="datetimeFigureOut">
               <a:rPr lang="en-US" smtClean="0"/>
-              <a:t>11/21/14</a:t>
+              <a:t>08/09/15</a:t>
             </a:fld>
             <a:endParaRPr lang="en-US"/>
           </a:p>
@@ -1269,7 +1270,7 @@
           <a:p>
             <a:fld id="{875CF0EB-321F-0749-B37A-89BBA859503C}" type="datetimeFigureOut">
               <a:rPr lang="en-US" smtClean="0"/>
-              <a:t>11/21/14</a:t>
+              <a:t>08/09/15</a:t>
             </a:fld>
             <a:endParaRPr lang="en-US"/>
           </a:p>
@@ -1463,7 +1464,7 @@
           <a:p>
             <a:fld id="{875CF0EB-321F-0749-B37A-89BBA859503C}" type="datetimeFigureOut">
               <a:rPr lang="en-US" smtClean="0"/>
-              <a:t>11/21/14</a:t>
+              <a:t>08/09/15</a:t>
             </a:fld>
             <a:endParaRPr lang="en-US"/>
           </a:p>
@@ -1733,7 +1734,7 @@
           <a:p>
             <a:fld id="{875CF0EB-321F-0749-B37A-89BBA859503C}" type="datetimeFigureOut">
               <a:rPr lang="en-US" smtClean="0"/>
-              <a:t>11/21/14</a:t>
+              <a:t>08/09/15</a:t>
             </a:fld>
             <a:endParaRPr lang="en-US"/>
           </a:p>
@@ -2045,7 +2046,7 @@
           <a:p>
             <a:fld id="{875CF0EB-321F-0749-B37A-89BBA859503C}" type="datetimeFigureOut">
               <a:rPr lang="en-US" smtClean="0"/>
-              <a:t>11/21/14</a:t>
+              <a:t>08/09/15</a:t>
             </a:fld>
             <a:endParaRPr lang="en-US"/>
           </a:p>
@@ -2491,7 +2492,7 @@
           <a:p>
             <a:fld id="{875CF0EB-321F-0749-B37A-89BBA859503C}" type="datetimeFigureOut">
               <a:rPr lang="en-US" smtClean="0"/>
-              <a:t>11/21/14</a:t>
+              <a:t>08/09/15</a:t>
             </a:fld>
             <a:endParaRPr lang="en-US"/>
           </a:p>
@@ -2633,7 +2634,7 @@
           <a:p>
             <a:fld id="{875CF0EB-321F-0749-B37A-89BBA859503C}" type="datetimeFigureOut">
               <a:rPr lang="en-US" smtClean="0"/>
-              <a:t>11/21/14</a:t>
+              <a:t>08/09/15</a:t>
             </a:fld>
             <a:endParaRPr lang="en-US"/>
           </a:p>
@@ -2752,7 +2753,7 @@
           <a:p>
             <a:fld id="{875CF0EB-321F-0749-B37A-89BBA859503C}" type="datetimeFigureOut">
               <a:rPr lang="en-US" smtClean="0"/>
-              <a:t>11/21/14</a:t>
+              <a:t>08/09/15</a:t>
             </a:fld>
             <a:endParaRPr lang="en-US"/>
           </a:p>
@@ -3053,7 +3054,7 @@
           <a:p>
             <a:fld id="{875CF0EB-321F-0749-B37A-89BBA859503C}" type="datetimeFigureOut">
               <a:rPr lang="en-US" smtClean="0"/>
-              <a:t>11/21/14</a:t>
+              <a:t>08/09/15</a:t>
             </a:fld>
             <a:endParaRPr lang="en-US"/>
           </a:p>
@@ -3330,7 +3331,7 @@
           <a:p>
             <a:fld id="{875CF0EB-321F-0749-B37A-89BBA859503C}" type="datetimeFigureOut">
               <a:rPr lang="en-US" smtClean="0"/>
-              <a:t>11/21/14</a:t>
+              <a:t>08/09/15</a:t>
             </a:fld>
             <a:endParaRPr lang="en-US"/>
           </a:p>
@@ -4172,20 +4173,13 @@
           </a:p>
           <a:p>
             <a:r>
-              <a:rPr lang="en-US">
+              <a:rPr lang="en-US" dirty="0" smtClean="0">
                 <a:ea typeface="ヒラギノ角ゴ ProN W3" charset="0"/>
                 <a:cs typeface="ヒラギノ角ゴ ProN W3" charset="0"/>
               </a:rPr>
-              <a:t>Dec </a:t>
-            </a:r>
-            <a:r>
-              <a:rPr lang="en-US" smtClean="0">
-                <a:ea typeface="ヒラギノ角ゴ ProN W3" charset="0"/>
-                <a:cs typeface="ヒラギノ角ゴ ProN W3" charset="0"/>
-              </a:rPr>
-              <a:t>2014</a:t>
-            </a:r>
-            <a:endParaRPr lang="en-US">
+              <a:t>Sep 2015</a:t>
+            </a:r>
+            <a:endParaRPr lang="en-US" dirty="0">
               <a:ea typeface="ヒラギノ角ゴ ProN W3" charset="0"/>
               <a:cs typeface="ヒラギノ角ゴ ProN W3" charset="0"/>
             </a:endParaRPr>
@@ -4249,6 +4243,83 @@
           <a:p>
             <a:r>
               <a:rPr lang="en-US" dirty="0" smtClean="0"/>
+              <a:t>From some tooling</a:t>
+            </a:r>
+            <a:endParaRPr lang="en-US" dirty="0"/>
+          </a:p>
+        </p:txBody>
+      </p:sp>
+      <p:pic>
+        <p:nvPicPr>
+          <p:cNvPr id="4" name="Picture 3"/>
+          <p:cNvPicPr>
+            <a:picLocks noChangeAspect="1"/>
+          </p:cNvPicPr>
+          <p:nvPr/>
+        </p:nvPicPr>
+        <p:blipFill>
+          <a:blip r:embed="rId2"/>
+          <a:stretch>
+            <a:fillRect/>
+          </a:stretch>
+        </p:blipFill>
+        <p:spPr>
+          <a:xfrm>
+            <a:off x="1211658" y="1417638"/>
+            <a:ext cx="6394048" cy="4319233"/>
+          </a:xfrm>
+          <a:prstGeom prst="rect">
+            <a:avLst/>
+          </a:prstGeom>
+        </p:spPr>
+      </p:pic>
+    </p:spTree>
+    <p:extLst>
+      <p:ext uri="{BB962C8B-B14F-4D97-AF65-F5344CB8AC3E}">
+        <p14:creationId xmlns:p14="http://schemas.microsoft.com/office/powerpoint/2010/main" val="638523365"/>
+      </p:ext>
+    </p:extLst>
+  </p:cSld>
+  <p:clrMapOvr>
+    <a:masterClrMapping/>
+  </p:clrMapOvr>
+</p:sld>
+</file>
+
+<file path=ppt/slides/slide11.xml><?xml version="1.0" encoding="utf-8"?>
+<p:sld xmlns:a="http://schemas.openxmlformats.org/drawingml/2006/main" xmlns:r="http://schemas.openxmlformats.org/officeDocument/2006/relationships" xmlns:p="http://schemas.openxmlformats.org/presentationml/2006/main">
+  <p:cSld>
+    <p:spTree>
+      <p:nvGrpSpPr>
+        <p:cNvPr id="1" name=""/>
+        <p:cNvGrpSpPr/>
+        <p:nvPr/>
+      </p:nvGrpSpPr>
+      <p:grpSpPr>
+        <a:xfrm>
+          <a:off x="0" y="0"/>
+          <a:ext cx="0" cy="0"/>
+          <a:chOff x="0" y="0"/>
+          <a:chExt cx="0" cy="0"/>
+        </a:xfrm>
+      </p:grpSpPr>
+      <p:sp>
+        <p:nvSpPr>
+          <p:cNvPr id="2" name="Title 1"/>
+          <p:cNvSpPr>
+            <a:spLocks noGrp="1"/>
+          </p:cNvSpPr>
+          <p:nvPr>
+            <p:ph type="title"/>
+          </p:nvPr>
+        </p:nvSpPr>
+        <p:spPr/>
+        <p:txBody>
+          <a:bodyPr/>
+          <a:lstStyle/>
+          <a:p>
+            <a:r>
+              <a:rPr lang="en-US" dirty="0" smtClean="0"/>
               <a:t>More Tooling</a:t>
             </a:r>
             <a:endParaRPr lang="en-US" dirty="0"/>
@@ -4292,7 +4363,7 @@
 </p:sld>
 </file>
 
-<file path=ppt/slides/slide11.xml><?xml version="1.0" encoding="utf-8"?>
+<file path=ppt/slides/slide12.xml><?xml version="1.0" encoding="utf-8"?>
 <p:sld xmlns:a="http://schemas.openxmlformats.org/drawingml/2006/main" xmlns:r="http://schemas.openxmlformats.org/officeDocument/2006/relationships" xmlns:p="http://schemas.openxmlformats.org/presentationml/2006/main">
   <p:cSld>
     <p:spTree>
@@ -4346,83 +4417,6 @@
 </p:sld>
 </file>
 
-<file path=ppt/slides/slide12.xml><?xml version="1.0" encoding="utf-8"?>
-<p:sld xmlns:a="http://schemas.openxmlformats.org/drawingml/2006/main" xmlns:r="http://schemas.openxmlformats.org/officeDocument/2006/relationships" xmlns:p="http://schemas.openxmlformats.org/presentationml/2006/main">
-  <p:cSld>
-    <p:spTree>
-      <p:nvGrpSpPr>
-        <p:cNvPr id="1" name=""/>
-        <p:cNvGrpSpPr/>
-        <p:nvPr/>
-      </p:nvGrpSpPr>
-      <p:grpSpPr>
-        <a:xfrm>
-          <a:off x="0" y="0"/>
-          <a:ext cx="0" cy="0"/>
-          <a:chOff x="0" y="0"/>
-          <a:chExt cx="0" cy="0"/>
-        </a:xfrm>
-      </p:grpSpPr>
-      <p:sp>
-        <p:nvSpPr>
-          <p:cNvPr id="2" name="Title 1"/>
-          <p:cNvSpPr>
-            <a:spLocks noGrp="1"/>
-          </p:cNvSpPr>
-          <p:nvPr>
-            <p:ph type="title"/>
-          </p:nvPr>
-        </p:nvSpPr>
-        <p:spPr/>
-        <p:txBody>
-          <a:bodyPr/>
-          <a:lstStyle/>
-          <a:p>
-            <a:r>
-              <a:rPr lang="en-US" dirty="0" smtClean="0"/>
-              <a:t>Enterprise Integration Patterns</a:t>
-            </a:r>
-            <a:endParaRPr lang="en-US" dirty="0"/>
-          </a:p>
-        </p:txBody>
-      </p:sp>
-      <p:pic>
-        <p:nvPicPr>
-          <p:cNvPr id="4" name="Picture 3"/>
-          <p:cNvPicPr>
-            <a:picLocks noChangeAspect="1"/>
-          </p:cNvPicPr>
-          <p:nvPr/>
-        </p:nvPicPr>
-        <p:blipFill>
-          <a:blip r:embed="rId2"/>
-          <a:stretch>
-            <a:fillRect/>
-          </a:stretch>
-        </p:blipFill>
-        <p:spPr>
-          <a:xfrm>
-            <a:off x="749300" y="1397000"/>
-            <a:ext cx="7643813" cy="6858000"/>
-          </a:xfrm>
-          <a:prstGeom prst="rect">
-            <a:avLst/>
-          </a:prstGeom>
-        </p:spPr>
-      </p:pic>
-    </p:spTree>
-    <p:extLst>
-      <p:ext uri="{BB962C8B-B14F-4D97-AF65-F5344CB8AC3E}">
-        <p14:creationId xmlns:p14="http://schemas.microsoft.com/office/powerpoint/2010/main" val="2380402832"/>
-      </p:ext>
-    </p:extLst>
-  </p:cSld>
-  <p:clrMapOvr>
-    <a:masterClrMapping/>
-  </p:clrMapOvr>
-</p:sld>
-</file>
-
 <file path=ppt/slides/slide13.xml><?xml version="1.0" encoding="utf-8"?>
 <p:sld xmlns:a="http://schemas.openxmlformats.org/drawingml/2006/main" xmlns:r="http://schemas.openxmlformats.org/officeDocument/2006/relationships" xmlns:p="http://schemas.openxmlformats.org/presentationml/2006/main">
   <p:cSld>
@@ -4463,115 +4457,24 @@
           </a:p>
         </p:txBody>
       </p:sp>
-      <p:sp>
-        <p:nvSpPr>
-          <p:cNvPr id="3" name="Content Placeholder 2"/>
-          <p:cNvSpPr>
-            <a:spLocks noGrp="1"/>
-          </p:cNvSpPr>
-          <p:nvPr>
-            <p:ph idx="1"/>
-          </p:nvPr>
-        </p:nvSpPr>
-        <p:spPr>
-          <a:xfrm>
-            <a:off x="375635" y="1600200"/>
-            <a:ext cx="5212365" cy="4525963"/>
-          </a:xfrm>
-        </p:spPr>
-        <p:txBody>
-          <a:bodyPr>
-            <a:normAutofit/>
-          </a:bodyPr>
-          <a:lstStyle/>
-          <a:p>
-            <a:r>
-              <a:rPr lang="en-US" dirty="0">
-                <a:hlinkClick r:id="rId2"/>
-              </a:rPr>
-              <a:t>http://www.eaipatterns.com</a:t>
-            </a:r>
-            <a:r>
-              <a:rPr lang="en-US" dirty="0" smtClean="0">
-                <a:hlinkClick r:id="rId2"/>
-              </a:rPr>
-              <a:t>/</a:t>
-            </a:r>
-            <a:endParaRPr lang="en-US" dirty="0" smtClean="0"/>
-          </a:p>
-          <a:p>
-            <a:r>
-              <a:rPr lang="en-US" dirty="0" smtClean="0"/>
-              <a:t>The book</a:t>
-            </a:r>
-          </a:p>
-          <a:p>
-            <a:pPr lvl="1"/>
-            <a:r>
-              <a:rPr lang="en-US" dirty="0"/>
-              <a:t>Enterprise Integration </a:t>
-            </a:r>
-            <a:r>
-              <a:rPr lang="en-US" dirty="0" smtClean="0"/>
-              <a:t>Patterns</a:t>
-            </a:r>
-          </a:p>
-          <a:p>
-            <a:pPr lvl="1"/>
-            <a:r>
-              <a:rPr lang="en-US" dirty="0" err="1" smtClean="0"/>
-              <a:t>Gregor</a:t>
-            </a:r>
-            <a:r>
-              <a:rPr lang="en-US" dirty="0" smtClean="0"/>
-              <a:t> </a:t>
-            </a:r>
-            <a:r>
-              <a:rPr lang="en-US" dirty="0" err="1" smtClean="0"/>
-              <a:t>Hohpe</a:t>
-            </a:r>
-            <a:r>
-              <a:rPr lang="en-US" dirty="0" smtClean="0"/>
-              <a:t>, </a:t>
-            </a:r>
-            <a:r>
-              <a:rPr lang="en-US" dirty="0"/>
-              <a:t>Bobby </a:t>
-            </a:r>
-            <a:r>
-              <a:rPr lang="en-US" dirty="0" smtClean="0"/>
-              <a:t>Woolf</a:t>
-            </a:r>
-          </a:p>
-          <a:p>
-            <a:endParaRPr lang="en-US" dirty="0" smtClean="0"/>
-          </a:p>
-          <a:p>
-            <a:pPr marL="0" indent="0">
-              <a:buNone/>
-            </a:pPr>
-            <a:endParaRPr lang="en-US" dirty="0"/>
-          </a:p>
-        </p:txBody>
-      </p:sp>
       <p:pic>
         <p:nvPicPr>
-          <p:cNvPr id="5" name="Picture 4"/>
+          <p:cNvPr id="4" name="Picture 3"/>
           <p:cNvPicPr>
             <a:picLocks noChangeAspect="1"/>
           </p:cNvPicPr>
           <p:nvPr/>
         </p:nvPicPr>
         <p:blipFill>
-          <a:blip r:embed="rId3"/>
+          <a:blip r:embed="rId2"/>
           <a:stretch>
             <a:fillRect/>
           </a:stretch>
         </p:blipFill>
         <p:spPr>
           <a:xfrm>
-            <a:off x="5334000" y="1417638"/>
-            <a:ext cx="3810000" cy="3810000"/>
+            <a:off x="749300" y="1397000"/>
+            <a:ext cx="7643813" cy="6858000"/>
           </a:xfrm>
           <a:prstGeom prst="rect">
             <a:avLst/>
@@ -4581,7 +4484,7 @@
     </p:spTree>
     <p:extLst>
       <p:ext uri="{BB962C8B-B14F-4D97-AF65-F5344CB8AC3E}">
-        <p14:creationId xmlns:p14="http://schemas.microsoft.com/office/powerpoint/2010/main" val="2335143516"/>
+        <p14:creationId xmlns:p14="http://schemas.microsoft.com/office/powerpoint/2010/main" val="2380402832"/>
       </p:ext>
     </p:extLst>
   </p:cSld>
@@ -4625,7 +4528,7 @@
           <a:p>
             <a:r>
               <a:rPr lang="en-US" dirty="0" smtClean="0"/>
-              <a:t>What actions</a:t>
+              <a:t>Enterprise Integration Patterns</a:t>
             </a:r>
             <a:endParaRPr lang="en-US" dirty="0"/>
           </a:p>
@@ -4641,64 +4544,115 @@
             <p:ph idx="1"/>
           </p:nvPr>
         </p:nvSpPr>
-        <p:spPr/>
+        <p:spPr>
+          <a:xfrm>
+            <a:off x="375635" y="1600200"/>
+            <a:ext cx="5212365" cy="4525963"/>
+          </a:xfrm>
+        </p:spPr>
         <p:txBody>
-          <a:bodyPr/>
+          <a:bodyPr>
+            <a:normAutofit/>
+          </a:bodyPr>
           <a:lstStyle/>
           <a:p>
             <a:r>
+              <a:rPr lang="en-US" dirty="0">
+                <a:hlinkClick r:id="rId2"/>
+              </a:rPr>
+              <a:t>http://www.eaipatterns.com</a:t>
+            </a:r>
+            <a:r>
+              <a:rPr lang="en-US" dirty="0" smtClean="0">
+                <a:hlinkClick r:id="rId2"/>
+              </a:rPr>
+              <a:t>/</a:t>
+            </a:r>
+            <a:endParaRPr lang="en-US" dirty="0" smtClean="0"/>
+          </a:p>
+          <a:p>
+            <a:r>
               <a:rPr lang="en-US" dirty="0" smtClean="0"/>
-              <a:t>The aim is to re-use existing adapters, transports and mediators/transformers</a:t>
-            </a:r>
-          </a:p>
-          <a:p>
+              <a:t>The book</a:t>
+            </a:r>
+          </a:p>
+          <a:p>
+            <a:pPr lvl="1"/>
+            <a:r>
+              <a:rPr lang="en-US" dirty="0"/>
+              <a:t>Enterprise Integration </a:t>
+            </a:r>
             <a:r>
               <a:rPr lang="en-US" dirty="0" smtClean="0"/>
-              <a:t>Why?</a:t>
+              <a:t>Patterns</a:t>
             </a:r>
           </a:p>
           <a:p>
             <a:pPr lvl="1"/>
             <a:r>
+              <a:rPr lang="en-US" dirty="0" err="1" smtClean="0"/>
+              <a:t>Gregor</a:t>
+            </a:r>
+            <a:r>
               <a:rPr lang="en-US" dirty="0" smtClean="0"/>
-              <a:t>Minimize custom coding</a:t>
-            </a:r>
-          </a:p>
-          <a:p>
-            <a:pPr lvl="1"/>
+              <a:t> </a:t>
+            </a:r>
+            <a:r>
+              <a:rPr lang="en-US" dirty="0" err="1" smtClean="0"/>
+              <a:t>Hohpe</a:t>
+            </a:r>
             <a:r>
               <a:rPr lang="en-US" dirty="0" smtClean="0"/>
-              <a:t>Utilize optimal components </a:t>
-            </a:r>
-          </a:p>
-          <a:p>
-            <a:pPr lvl="2"/>
+              <a:t>, </a:t>
+            </a:r>
+            <a:r>
+              <a:rPr lang="en-US" dirty="0"/>
+              <a:t>Bobby </a:t>
+            </a:r>
             <a:r>
               <a:rPr lang="en-US" dirty="0" smtClean="0"/>
-              <a:t>e.g. streaming high-performance</a:t>
-            </a:r>
-          </a:p>
-          <a:p>
-            <a:pPr lvl="1"/>
-            <a:r>
-              <a:rPr lang="en-US" dirty="0" smtClean="0"/>
-              <a:t>Shorten test cycles</a:t>
-            </a:r>
-          </a:p>
-          <a:p>
-            <a:pPr lvl="1"/>
-            <a:r>
-              <a:rPr lang="en-US" dirty="0" smtClean="0"/>
-              <a:t>Be more agile</a:t>
-            </a:r>
+              <a:t>Woolf</a:t>
+            </a:r>
+          </a:p>
+          <a:p>
+            <a:endParaRPr lang="en-US" dirty="0" smtClean="0"/>
+          </a:p>
+          <a:p>
+            <a:pPr marL="0" indent="0">
+              <a:buNone/>
+            </a:pPr>
             <a:endParaRPr lang="en-US" dirty="0"/>
           </a:p>
         </p:txBody>
       </p:sp>
+      <p:pic>
+        <p:nvPicPr>
+          <p:cNvPr id="5" name="Picture 4"/>
+          <p:cNvPicPr>
+            <a:picLocks noChangeAspect="1"/>
+          </p:cNvPicPr>
+          <p:nvPr/>
+        </p:nvPicPr>
+        <p:blipFill>
+          <a:blip r:embed="rId3"/>
+          <a:stretch>
+            <a:fillRect/>
+          </a:stretch>
+        </p:blipFill>
+        <p:spPr>
+          <a:xfrm>
+            <a:off x="5334000" y="1417638"/>
+            <a:ext cx="3810000" cy="3810000"/>
+          </a:xfrm>
+          <a:prstGeom prst="rect">
+            <a:avLst/>
+          </a:prstGeom>
+        </p:spPr>
+      </p:pic>
     </p:spTree>
     <p:extLst>
       <p:ext uri="{BB962C8B-B14F-4D97-AF65-F5344CB8AC3E}">
-        <p14:creationId xmlns:p14="http://schemas.microsoft.com/office/powerpoint/2010/main" val="947715658"/>
+        <p14:creationId xmlns:p14="http://schemas.microsoft.com/office/powerpoint/2010/main" val="2335143516"/>
       </p:ext>
     </p:extLst>
   </p:cSld>
@@ -4742,7 +4696,7 @@
           <a:p>
             <a:r>
               <a:rPr lang="en-US" dirty="0" smtClean="0"/>
-              <a:t>Common mediators</a:t>
+              <a:t>What actions</a:t>
             </a:r>
             <a:endParaRPr lang="en-US" dirty="0"/>
           </a:p>
@@ -4750,12 +4704,12 @@
       </p:sp>
       <p:sp>
         <p:nvSpPr>
-          <p:cNvPr id="4" name="Content Placeholder 3"/>
+          <p:cNvPr id="3" name="Content Placeholder 2"/>
           <p:cNvSpPr>
             <a:spLocks noGrp="1"/>
           </p:cNvSpPr>
           <p:nvPr>
-            <p:ph sz="half" idx="1"/>
+            <p:ph idx="1"/>
           </p:nvPr>
         </p:nvSpPr>
         <p:spPr/>
@@ -4765,111 +4719,48 @@
           <a:p>
             <a:r>
               <a:rPr lang="en-US" dirty="0" smtClean="0"/>
-              <a:t>Logging</a:t>
+              <a:t>The aim is to re-use existing adapters, transports and mediators/transformers</a:t>
             </a:r>
           </a:p>
           <a:p>
             <a:r>
               <a:rPr lang="en-US" dirty="0" smtClean="0"/>
-              <a:t>Routing</a:t>
-            </a:r>
-          </a:p>
-          <a:p>
+              <a:t>Why?</a:t>
+            </a:r>
+          </a:p>
+          <a:p>
+            <a:pPr lvl="1"/>
             <a:r>
               <a:rPr lang="en-US" dirty="0" smtClean="0"/>
-              <a:t>Transformation</a:t>
+              <a:t>Minimize custom coding</a:t>
             </a:r>
           </a:p>
           <a:p>
             <a:pPr lvl="1"/>
             <a:r>
               <a:rPr lang="en-US" dirty="0" smtClean="0"/>
-              <a:t>XSLT</a:t>
+              <a:t>Utilize optimal components </a:t>
+            </a:r>
+          </a:p>
+          <a:p>
+            <a:pPr lvl="2"/>
+            <a:r>
+              <a:rPr lang="en-US" dirty="0" smtClean="0"/>
+              <a:t>e.g. streaming high-performance</a:t>
             </a:r>
           </a:p>
           <a:p>
             <a:pPr lvl="1"/>
             <a:r>
-              <a:rPr lang="en-US" dirty="0" err="1" smtClean="0"/>
-              <a:t>Xquery</a:t>
-            </a:r>
-            <a:endParaRPr lang="en-US" dirty="0" smtClean="0"/>
+              <a:rPr lang="en-US" dirty="0" smtClean="0"/>
+              <a:t>Shorten test cycles</a:t>
+            </a:r>
           </a:p>
           <a:p>
             <a:pPr lvl="1"/>
             <a:r>
               <a:rPr lang="en-US" dirty="0" smtClean="0"/>
-              <a:t>Template-</a:t>
-            </a:r>
-            <a:r>
-              <a:rPr lang="en-US" dirty="0" err="1" smtClean="0"/>
-              <a:t>ing</a:t>
-            </a:r>
-            <a:endParaRPr lang="en-US" dirty="0" smtClean="0"/>
-          </a:p>
-          <a:p>
-            <a:r>
-              <a:rPr lang="en-US" dirty="0" smtClean="0"/>
-              <a:t>Split/Aggregate</a:t>
-            </a:r>
-          </a:p>
-          <a:p>
-            <a:r>
-              <a:rPr lang="en-US" dirty="0" smtClean="0"/>
-              <a:t>Filter</a:t>
-            </a:r>
-            <a:endParaRPr lang="en-US" dirty="0"/>
-          </a:p>
-        </p:txBody>
-      </p:sp>
-      <p:sp>
-        <p:nvSpPr>
-          <p:cNvPr id="5" name="Content Placeholder 4"/>
-          <p:cNvSpPr>
-            <a:spLocks noGrp="1"/>
-          </p:cNvSpPr>
-          <p:nvPr>
-            <p:ph sz="half" idx="2"/>
-          </p:nvPr>
-        </p:nvSpPr>
-        <p:spPr/>
-        <p:txBody>
-          <a:bodyPr/>
-          <a:lstStyle/>
-          <a:p>
-            <a:r>
-              <a:rPr lang="en-US" dirty="0" smtClean="0"/>
-              <a:t>Clone/Tee</a:t>
-            </a:r>
-          </a:p>
-          <a:p>
-            <a:r>
-              <a:rPr lang="en-US" dirty="0" smtClean="0"/>
-              <a:t>Callout</a:t>
-            </a:r>
-          </a:p>
-          <a:p>
-            <a:r>
-              <a:rPr lang="en-US" dirty="0" smtClean="0"/>
-              <a:t>Enrich</a:t>
-            </a:r>
-          </a:p>
-          <a:p>
-            <a:r>
-              <a:rPr lang="en-US" dirty="0" smtClean="0"/>
-              <a:t>Drop</a:t>
-            </a:r>
-          </a:p>
-          <a:p>
-            <a:r>
-              <a:rPr lang="en-US" dirty="0" smtClean="0"/>
-              <a:t>Fault</a:t>
-            </a:r>
-          </a:p>
-          <a:p>
-            <a:r>
-              <a:rPr lang="en-US" dirty="0" err="1" smtClean="0"/>
-              <a:t>etc</a:t>
+              <a:t>Be more agile</a:t>
             </a:r>
             <a:endParaRPr lang="en-US" dirty="0"/>
           </a:p>
@@ -4878,7 +4769,7 @@
     </p:spTree>
     <p:extLst>
       <p:ext uri="{BB962C8B-B14F-4D97-AF65-F5344CB8AC3E}">
-        <p14:creationId xmlns:p14="http://schemas.microsoft.com/office/powerpoint/2010/main" val="58678465"/>
+        <p14:creationId xmlns:p14="http://schemas.microsoft.com/office/powerpoint/2010/main" val="947715658"/>
       </p:ext>
     </p:extLst>
   </p:cSld>
@@ -4922,7 +4813,81 @@
           <a:p>
             <a:r>
               <a:rPr lang="en-US" dirty="0" smtClean="0"/>
-              <a:t>Apache Synapse</a:t>
+              <a:t>Common mediators</a:t>
+            </a:r>
+            <a:endParaRPr lang="en-US" dirty="0"/>
+          </a:p>
+        </p:txBody>
+      </p:sp>
+      <p:sp>
+        <p:nvSpPr>
+          <p:cNvPr id="4" name="Content Placeholder 3"/>
+          <p:cNvSpPr>
+            <a:spLocks noGrp="1"/>
+          </p:cNvSpPr>
+          <p:nvPr>
+            <p:ph sz="half" idx="1"/>
+          </p:nvPr>
+        </p:nvSpPr>
+        <p:spPr/>
+        <p:txBody>
+          <a:bodyPr/>
+          <a:lstStyle/>
+          <a:p>
+            <a:r>
+              <a:rPr lang="en-US" dirty="0" smtClean="0"/>
+              <a:t>Logging</a:t>
+            </a:r>
+          </a:p>
+          <a:p>
+            <a:r>
+              <a:rPr lang="en-US" dirty="0" smtClean="0"/>
+              <a:t>Routing</a:t>
+            </a:r>
+          </a:p>
+          <a:p>
+            <a:r>
+              <a:rPr lang="en-US" dirty="0" smtClean="0"/>
+              <a:t>Transformation</a:t>
+            </a:r>
+          </a:p>
+          <a:p>
+            <a:pPr lvl="1"/>
+            <a:r>
+              <a:rPr lang="en-US" dirty="0" smtClean="0"/>
+              <a:t>XSLT</a:t>
+            </a:r>
+          </a:p>
+          <a:p>
+            <a:pPr lvl="1"/>
+            <a:r>
+              <a:rPr lang="en-US" dirty="0" err="1" smtClean="0"/>
+              <a:t>Xquery</a:t>
+            </a:r>
+            <a:endParaRPr lang="en-US" dirty="0" smtClean="0"/>
+          </a:p>
+          <a:p>
+            <a:pPr lvl="1"/>
+            <a:r>
+              <a:rPr lang="en-US" dirty="0" smtClean="0"/>
+              <a:t>Template-</a:t>
+            </a:r>
+            <a:r>
+              <a:rPr lang="en-US" dirty="0" err="1" smtClean="0"/>
+              <a:t>ing</a:t>
+            </a:r>
+            <a:endParaRPr lang="en-US" dirty="0" smtClean="0"/>
+          </a:p>
+          <a:p>
+            <a:r>
+              <a:rPr lang="en-US" dirty="0" smtClean="0"/>
+              <a:t>Split/Aggregate</a:t>
+            </a:r>
+          </a:p>
+          <a:p>
+            <a:r>
+              <a:rPr lang="en-US" dirty="0" smtClean="0"/>
+              <a:t>Filter</a:t>
             </a:r>
             <a:endParaRPr lang="en-US" dirty="0"/>
           </a:p>
@@ -4935,7 +4900,7 @@
             <a:spLocks noGrp="1"/>
           </p:cNvSpPr>
           <p:nvPr>
-            <p:ph idx="1"/>
+            <p:ph sz="half" idx="2"/>
           </p:nvPr>
         </p:nvSpPr>
         <p:spPr/>
@@ -4945,73 +4910,46 @@
           <a:p>
             <a:r>
               <a:rPr lang="en-US" dirty="0" smtClean="0"/>
-              <a:t>Designed to be simple to use and manage</a:t>
-            </a:r>
-          </a:p>
-          <a:p>
-            <a:pPr lvl="1"/>
+              <a:t>Clone/Tee</a:t>
+            </a:r>
+          </a:p>
+          <a:p>
             <a:r>
               <a:rPr lang="en-US" dirty="0" smtClean="0"/>
-              <a:t>XML configuration</a:t>
-            </a:r>
-          </a:p>
-          <a:p>
-            <a:pPr lvl="1"/>
+              <a:t>Callout</a:t>
+            </a:r>
+          </a:p>
+          <a:p>
             <a:r>
               <a:rPr lang="en-US" dirty="0" smtClean="0"/>
-              <a:t>No complex deployment</a:t>
-            </a:r>
-          </a:p>
-          <a:p>
-            <a:pPr lvl="1"/>
+              <a:t>Enrich</a:t>
+            </a:r>
+          </a:p>
+          <a:p>
             <a:r>
               <a:rPr lang="en-US" dirty="0" smtClean="0"/>
-              <a:t>Hot deploy and update if needed</a:t>
-            </a:r>
-          </a:p>
-          <a:p>
-            <a:pPr lvl="1"/>
+              <a:t>Drop</a:t>
+            </a:r>
+          </a:p>
+          <a:p>
             <a:r>
               <a:rPr lang="en-US" dirty="0" smtClean="0"/>
-              <a:t>Separation of </a:t>
-            </a:r>
+              <a:t>Fault</a:t>
+            </a:r>
+          </a:p>
+          <a:p>
             <a:r>
               <a:rPr lang="en-US" dirty="0" err="1" smtClean="0"/>
-              <a:t>configs</a:t>
-            </a:r>
-            <a:r>
-              <a:rPr lang="en-US" dirty="0" smtClean="0"/>
-              <a:t> for different teams</a:t>
-            </a:r>
-          </a:p>
-          <a:p>
-            <a:pPr lvl="1"/>
-            <a:r>
-              <a:rPr lang="en-US" dirty="0" smtClean="0"/>
-              <a:t>Highly </a:t>
-            </a:r>
-            <a:r>
-              <a:rPr lang="en-US" dirty="0" err="1" smtClean="0"/>
-              <a:t>performant</a:t>
-            </a:r>
-            <a:r>
-              <a:rPr lang="en-US" dirty="0" smtClean="0"/>
-              <a:t> and scalable</a:t>
-            </a:r>
-          </a:p>
-          <a:p>
-            <a:pPr lvl="1"/>
-            <a:r>
-              <a:rPr lang="en-US" dirty="0" smtClean="0"/>
-              <a:t>Asynchronous core / non-blocking model</a:t>
-            </a:r>
+              <a:t>etc</a:t>
+            </a:r>
+            <a:endParaRPr lang="en-US" dirty="0"/>
           </a:p>
         </p:txBody>
       </p:sp>
     </p:spTree>
     <p:extLst>
       <p:ext uri="{BB962C8B-B14F-4D97-AF65-F5344CB8AC3E}">
-        <p14:creationId xmlns:p14="http://schemas.microsoft.com/office/powerpoint/2010/main" val="1558466036"/>
+        <p14:creationId xmlns:p14="http://schemas.microsoft.com/office/powerpoint/2010/main" val="58678465"/>
       </p:ext>
     </p:extLst>
   </p:cSld>
@@ -5055,7 +4993,7 @@
           <a:p>
             <a:r>
               <a:rPr lang="en-US" dirty="0" smtClean="0"/>
-              <a:t>C10k Problem</a:t>
+              <a:t>Apache Synapse</a:t>
             </a:r>
             <a:endParaRPr lang="en-US" dirty="0"/>
           </a:p>
@@ -5063,7 +5001,7 @@
       </p:sp>
       <p:sp>
         <p:nvSpPr>
-          <p:cNvPr id="3" name="Content Placeholder 2"/>
+          <p:cNvPr id="5" name="Content Placeholder 4"/>
           <p:cNvSpPr>
             <a:spLocks noGrp="1"/>
           </p:cNvSpPr>
@@ -5078,60 +5016,73 @@
           <a:p>
             <a:r>
               <a:rPr lang="en-US" dirty="0" smtClean="0"/>
-              <a:t>How to handle 10k concurrent requests</a:t>
-            </a:r>
-          </a:p>
-          <a:p>
+              <a:t>Designed to be simple to use and manage</a:t>
+            </a:r>
+          </a:p>
+          <a:p>
+            <a:pPr lvl="1"/>
             <a:r>
               <a:rPr lang="en-US" dirty="0" smtClean="0"/>
-              <a:t>Without 10k concurrent threads </a:t>
-            </a:r>
-            <a:r>
-              <a:rPr lang="en-US" dirty="0" smtClean="0">
-                <a:sym typeface="Wingdings"/>
-              </a:rPr>
-              <a:t></a:t>
-            </a:r>
-          </a:p>
-          <a:p>
-            <a:r>
-              <a:rPr lang="en-US" dirty="0" smtClean="0">
-                <a:sym typeface="Wingdings"/>
-              </a:rPr>
-              <a:t>Need to disassociate the socket from the thread</a:t>
-            </a:r>
-          </a:p>
-          <a:p>
-            <a:r>
-              <a:rPr lang="en-US" dirty="0" err="1" smtClean="0">
-                <a:sym typeface="Wingdings"/>
-              </a:rPr>
-              <a:t>Async</a:t>
-            </a:r>
-            <a:r>
-              <a:rPr lang="en-US" dirty="0" smtClean="0">
-                <a:sym typeface="Wingdings"/>
-              </a:rPr>
-              <a:t> handling</a:t>
-            </a:r>
-          </a:p>
-          <a:p>
-            <a:r>
-              <a:rPr lang="en-US" dirty="0" smtClean="0">
-                <a:sym typeface="Wingdings"/>
-              </a:rPr>
-              <a:t>Reactor pattern</a:t>
-            </a:r>
-            <a:endParaRPr lang="en-US" dirty="0">
-              <a:sym typeface="Wingdings"/>
-            </a:endParaRPr>
+              <a:t>XML configuration</a:t>
+            </a:r>
+          </a:p>
+          <a:p>
+            <a:pPr lvl="1"/>
+            <a:r>
+              <a:rPr lang="en-US" dirty="0" smtClean="0"/>
+              <a:t>No complex deployment</a:t>
+            </a:r>
+          </a:p>
+          <a:p>
+            <a:pPr lvl="1"/>
+            <a:r>
+              <a:rPr lang="en-US" dirty="0" smtClean="0"/>
+              <a:t>Hot deploy and update if needed</a:t>
+            </a:r>
+          </a:p>
+          <a:p>
+            <a:pPr lvl="1"/>
+            <a:r>
+              <a:rPr lang="en-US" dirty="0" smtClean="0"/>
+              <a:t>Separation of </a:t>
+            </a:r>
+            <a:r>
+              <a:rPr lang="en-US" dirty="0" err="1" smtClean="0"/>
+              <a:t>configs</a:t>
+            </a:r>
+            <a:r>
+              <a:rPr lang="en-US" dirty="0" smtClean="0"/>
+              <a:t> for different teams</a:t>
+            </a:r>
+          </a:p>
+          <a:p>
+            <a:pPr lvl="1"/>
+            <a:r>
+              <a:rPr lang="en-US" dirty="0" smtClean="0"/>
+              <a:t>Highly </a:t>
+            </a:r>
+            <a:r>
+              <a:rPr lang="en-US" dirty="0" err="1" smtClean="0"/>
+              <a:t>performant</a:t>
+            </a:r>
+            <a:r>
+              <a:rPr lang="en-US" dirty="0" smtClean="0"/>
+              <a:t> and scalable</a:t>
+            </a:r>
+          </a:p>
+          <a:p>
+            <a:pPr lvl="1"/>
+            <a:r>
+              <a:rPr lang="en-US" dirty="0" smtClean="0"/>
+              <a:t>Asynchronous core / non-blocking model</a:t>
+            </a:r>
           </a:p>
         </p:txBody>
       </p:sp>
     </p:spTree>
     <p:extLst>
       <p:ext uri="{BB962C8B-B14F-4D97-AF65-F5344CB8AC3E}">
-        <p14:creationId xmlns:p14="http://schemas.microsoft.com/office/powerpoint/2010/main" val="3376585852"/>
+        <p14:creationId xmlns:p14="http://schemas.microsoft.com/office/powerpoint/2010/main" val="1558466036"/>
       </p:ext>
     </p:extLst>
   </p:cSld>
@@ -5175,40 +5126,83 @@
           <a:p>
             <a:r>
               <a:rPr lang="en-US" dirty="0" smtClean="0"/>
-              <a:t>Apache Synapse</a:t>
+              <a:t>C10k Problem</a:t>
             </a:r>
             <a:endParaRPr lang="en-US" dirty="0"/>
           </a:p>
         </p:txBody>
       </p:sp>
-      <p:pic>
-        <p:nvPicPr>
-          <p:cNvPr id="4" name="Picture 3"/>
-          <p:cNvPicPr>
-            <a:picLocks noChangeAspect="1"/>
-          </p:cNvPicPr>
-          <p:nvPr/>
-        </p:nvPicPr>
-        <p:blipFill>
-          <a:blip r:embed="rId2"/>
-          <a:stretch>
-            <a:fillRect/>
-          </a:stretch>
-        </p:blipFill>
-        <p:spPr>
-          <a:xfrm>
-            <a:off x="0" y="736600"/>
-            <a:ext cx="9144000" cy="5370105"/>
-          </a:xfrm>
-          <a:prstGeom prst="rect">
-            <a:avLst/>
-          </a:prstGeom>
-        </p:spPr>
-      </p:pic>
+      <p:sp>
+        <p:nvSpPr>
+          <p:cNvPr id="3" name="Content Placeholder 2"/>
+          <p:cNvSpPr>
+            <a:spLocks noGrp="1"/>
+          </p:cNvSpPr>
+          <p:nvPr>
+            <p:ph idx="1"/>
+          </p:nvPr>
+        </p:nvSpPr>
+        <p:spPr/>
+        <p:txBody>
+          <a:bodyPr/>
+          <a:lstStyle/>
+          <a:p>
+            <a:r>
+              <a:rPr lang="en-US" dirty="0" smtClean="0"/>
+              <a:t>How to handle 10k concurrent requests</a:t>
+            </a:r>
+          </a:p>
+          <a:p>
+            <a:r>
+              <a:rPr lang="en-US" dirty="0" smtClean="0"/>
+              <a:t>Without 10k concurrent threads </a:t>
+            </a:r>
+            <a:r>
+              <a:rPr lang="en-US" dirty="0" smtClean="0">
+                <a:sym typeface="Wingdings"/>
+              </a:rPr>
+              <a:t></a:t>
+            </a:r>
+          </a:p>
+          <a:p>
+            <a:r>
+              <a:rPr lang="en-US" dirty="0" smtClean="0">
+                <a:sym typeface="Wingdings"/>
+              </a:rPr>
+              <a:t>Need to disassociate the socket from the thread</a:t>
+            </a:r>
+          </a:p>
+          <a:p>
+            <a:r>
+              <a:rPr lang="en-US" dirty="0" err="1" smtClean="0">
+                <a:sym typeface="Wingdings"/>
+              </a:rPr>
+              <a:t>Async</a:t>
+            </a:r>
+            <a:r>
+              <a:rPr lang="en-US" dirty="0" smtClean="0">
+                <a:sym typeface="Wingdings"/>
+              </a:rPr>
+              <a:t> handling</a:t>
+            </a:r>
+          </a:p>
+          <a:p>
+            <a:r>
+              <a:rPr lang="en-US" dirty="0" smtClean="0">
+                <a:sym typeface="Wingdings"/>
+              </a:rPr>
+              <a:t>Reactor pattern</a:t>
+            </a:r>
+            <a:endParaRPr lang="en-US" dirty="0">
+              <a:sym typeface="Wingdings"/>
+            </a:endParaRPr>
+          </a:p>
+        </p:txBody>
+      </p:sp>
     </p:spTree>
     <p:extLst>
       <p:ext uri="{BB962C8B-B14F-4D97-AF65-F5344CB8AC3E}">
-        <p14:creationId xmlns:p14="http://schemas.microsoft.com/office/powerpoint/2010/main" val="2557389393"/>
+        <p14:creationId xmlns:p14="http://schemas.microsoft.com/office/powerpoint/2010/main" val="3376585852"/>
       </p:ext>
     </p:extLst>
   </p:cSld>
@@ -5252,63 +5246,40 @@
           <a:p>
             <a:r>
               <a:rPr lang="en-US" dirty="0" smtClean="0"/>
-              <a:t>WSO2 ESB	</a:t>
+              <a:t>Apache Synapse</a:t>
             </a:r>
             <a:endParaRPr lang="en-US" dirty="0"/>
           </a:p>
         </p:txBody>
       </p:sp>
-      <p:sp>
-        <p:nvSpPr>
-          <p:cNvPr id="3" name="Content Placeholder 2"/>
-          <p:cNvSpPr>
-            <a:spLocks noGrp="1"/>
-          </p:cNvSpPr>
-          <p:nvPr>
-            <p:ph idx="1"/>
-          </p:nvPr>
-        </p:nvSpPr>
-        <p:spPr/>
-        <p:txBody>
-          <a:bodyPr/>
-          <a:lstStyle/>
-          <a:p>
-            <a:r>
-              <a:rPr lang="en-US" dirty="0" smtClean="0"/>
-              <a:t>Also Apache License Open Source</a:t>
-            </a:r>
-          </a:p>
-          <a:p>
-            <a:r>
-              <a:rPr lang="en-US" dirty="0" smtClean="0"/>
-              <a:t>Adds a Graphical Web Interface</a:t>
-            </a:r>
-          </a:p>
-          <a:p>
-            <a:r>
-              <a:rPr lang="en-US" dirty="0" smtClean="0"/>
-              <a:t>Registry/Repository</a:t>
-            </a:r>
-          </a:p>
-          <a:p>
-            <a:r>
-              <a:rPr lang="en-US" dirty="0" smtClean="0"/>
-              <a:t>Deployment management/synchronization</a:t>
-            </a:r>
-          </a:p>
-          <a:p>
-            <a:r>
-              <a:rPr lang="en-US" dirty="0" smtClean="0"/>
-              <a:t>Other pluggable components</a:t>
-            </a:r>
-            <a:endParaRPr lang="en-US" dirty="0"/>
-          </a:p>
-        </p:txBody>
-      </p:sp>
+      <p:pic>
+        <p:nvPicPr>
+          <p:cNvPr id="4" name="Picture 3"/>
+          <p:cNvPicPr>
+            <a:picLocks noChangeAspect="1"/>
+          </p:cNvPicPr>
+          <p:nvPr/>
+        </p:nvPicPr>
+        <p:blipFill>
+          <a:blip r:embed="rId2"/>
+          <a:stretch>
+            <a:fillRect/>
+          </a:stretch>
+        </p:blipFill>
+        <p:spPr>
+          <a:xfrm>
+            <a:off x="0" y="736600"/>
+            <a:ext cx="9144000" cy="5370105"/>
+          </a:xfrm>
+          <a:prstGeom prst="rect">
+            <a:avLst/>
+          </a:prstGeom>
+        </p:spPr>
+      </p:pic>
     </p:spTree>
     <p:extLst>
       <p:ext uri="{BB962C8B-B14F-4D97-AF65-F5344CB8AC3E}">
-        <p14:creationId xmlns:p14="http://schemas.microsoft.com/office/powerpoint/2010/main" val="2084074533"/>
+        <p14:creationId xmlns:p14="http://schemas.microsoft.com/office/powerpoint/2010/main" val="2557389393"/>
       </p:ext>
     </p:extLst>
   </p:cSld>
@@ -5337,9 +5308,9 @@
       </p:grpSpPr>
       <p:sp>
         <p:nvSpPr>
-          <p:cNvPr id="189442" name="Rectangle 2"/>
+          <p:cNvPr id="2" name="Title 1"/>
           <p:cNvSpPr>
-            <a:spLocks noGrp="1" noChangeArrowheads="1"/>
+            <a:spLocks noGrp="1"/>
           </p:cNvSpPr>
           <p:nvPr>
             <p:ph type="title"/>
@@ -5351,110 +5322,170 @@
           <a:lstStyle/>
           <a:p>
             <a:r>
-              <a:rPr lang="en-US" smtClean="0"/>
-              <a:t>Enterprise Service Bus (ESB)</a:t>
-            </a:r>
-            <a:endParaRPr lang="en-US"/>
+              <a:rPr lang="en-US" dirty="0" smtClean="0"/>
+              <a:t>Recap on SOA model</a:t>
+            </a:r>
+            <a:endParaRPr lang="en-US" dirty="0"/>
           </a:p>
         </p:txBody>
       </p:sp>
       <p:sp>
         <p:nvSpPr>
-          <p:cNvPr id="189443" name="Rectangle 3"/>
+          <p:cNvPr id="3" name="Content Placeholder 2"/>
           <p:cNvSpPr>
-            <a:spLocks noGrp="1" noChangeArrowheads="1"/>
+            <a:spLocks noGrp="1"/>
           </p:cNvSpPr>
           <p:nvPr>
-            <p:ph type="body" idx="1"/>
+            <p:ph idx="1"/>
           </p:nvPr>
         </p:nvSpPr>
         <p:spPr/>
         <p:txBody>
-          <a:bodyPr>
-            <a:normAutofit fontScale="92500"/>
-          </a:bodyPr>
+          <a:bodyPr/>
           <a:lstStyle/>
           <a:p>
-            <a:r>
-              <a:rPr lang="en-US" smtClean="0"/>
-              <a:t>A software architecture</a:t>
-            </a:r>
-          </a:p>
-          <a:p>
-            <a:pPr lvl="1"/>
-            <a:r>
-              <a:rPr lang="en-US" smtClean="0"/>
-              <a:t>A logical intermediary through which every message flows</a:t>
-            </a:r>
-          </a:p>
-          <a:p>
-            <a:pPr lvl="1"/>
-            <a:r>
-              <a:rPr lang="en-US" smtClean="0"/>
-              <a:t>Offers a policy based approach to decide what to do to each message or interaction</a:t>
-            </a:r>
-          </a:p>
-          <a:p>
-            <a:r>
-              <a:rPr lang="en-US" smtClean="0"/>
-              <a:t>The benefits of the gateway model</a:t>
-            </a:r>
-          </a:p>
-          <a:p>
-            <a:pPr lvl="1"/>
-            <a:r>
-              <a:rPr lang="en-US" smtClean="0"/>
-              <a:t>Without a physical hub and spoke</a:t>
-            </a:r>
-          </a:p>
-          <a:p>
-            <a:r>
-              <a:rPr lang="en-US" smtClean="0"/>
-              <a:t>Many vendors offer ESB products</a:t>
-            </a:r>
-          </a:p>
-          <a:p>
-            <a:pPr lvl="1"/>
-            <a:r>
-              <a:rPr lang="en-US" smtClean="0"/>
-              <a:t>Often a layer over an existing messaging framework</a:t>
-            </a:r>
-          </a:p>
-          <a:p>
-            <a:pPr lvl="1"/>
-            <a:endParaRPr lang="en-US" dirty="0"/>
+            <a:endParaRPr lang="en-US"/>
           </a:p>
         </p:txBody>
       </p:sp>
+      <p:pic>
+        <p:nvPicPr>
+          <p:cNvPr id="4" name="Picture 3"/>
+          <p:cNvPicPr>
+            <a:picLocks noChangeAspect="1"/>
+          </p:cNvPicPr>
+          <p:nvPr/>
+        </p:nvPicPr>
+        <p:blipFill>
+          <a:blip r:embed="rId2"/>
+          <a:stretch>
+            <a:fillRect/>
+          </a:stretch>
+        </p:blipFill>
+        <p:spPr>
+          <a:xfrm>
+            <a:off x="46589" y="1254136"/>
+            <a:ext cx="9144000" cy="4822362"/>
+          </a:xfrm>
+          <a:prstGeom prst="rect">
+            <a:avLst/>
+          </a:prstGeom>
+        </p:spPr>
+      </p:pic>
     </p:spTree>
     <p:extLst>
       <p:ext uri="{BB962C8B-B14F-4D97-AF65-F5344CB8AC3E}">
-        <p14:creationId xmlns:p14="http://schemas.microsoft.com/office/powerpoint/2010/main" val="3884011263"/>
+        <p14:creationId xmlns:p14="http://schemas.microsoft.com/office/powerpoint/2010/main" val="2934170884"/>
       </p:ext>
     </p:extLst>
   </p:cSld>
   <p:clrMapOvr>
     <a:masterClrMapping/>
   </p:clrMapOvr>
-  <mc:AlternateContent xmlns:mc="http://schemas.openxmlformats.org/markup-compatibility/2006" xmlns:p14="http://schemas.microsoft.com/office/powerpoint/2010/main">
-    <mc:Choice Requires="p14">
-      <p:transition spd="slow" p14:dur="2000"/>
-    </mc:Choice>
-    <mc:Fallback xmlns="">
-      <p:transition xmlns:p14="http://schemas.microsoft.com/office/powerpoint/2010/main" spd="slow"/>
-    </mc:Fallback>
-  </mc:AlternateContent>
-  <p:timing>
-    <p:tnLst>
-      <p:par>
-        <p:cTn xmlns:p14="http://schemas.microsoft.com/office/powerpoint/2010/main" id="1" dur="indefinite" restart="never" nodeType="tmRoot"/>
-      </p:par>
-    </p:tnLst>
-  </p:timing>
 </p:sld>
 </file>
 
 <file path=ppt/slides/slide20.xml><?xml version="1.0" encoding="utf-8"?>
+<p:sld xmlns:a="http://schemas.openxmlformats.org/drawingml/2006/main" xmlns:r="http://schemas.openxmlformats.org/officeDocument/2006/relationships" xmlns:p="http://schemas.openxmlformats.org/presentationml/2006/main">
+  <p:cSld>
+    <p:spTree>
+      <p:nvGrpSpPr>
+        <p:cNvPr id="1" name=""/>
+        <p:cNvGrpSpPr/>
+        <p:nvPr/>
+      </p:nvGrpSpPr>
+      <p:grpSpPr>
+        <a:xfrm>
+          <a:off x="0" y="0"/>
+          <a:ext cx="0" cy="0"/>
+          <a:chOff x="0" y="0"/>
+          <a:chExt cx="0" cy="0"/>
+        </a:xfrm>
+      </p:grpSpPr>
+      <p:sp>
+        <p:nvSpPr>
+          <p:cNvPr id="2" name="Title 1"/>
+          <p:cNvSpPr>
+            <a:spLocks noGrp="1"/>
+          </p:cNvSpPr>
+          <p:nvPr>
+            <p:ph type="title"/>
+          </p:nvPr>
+        </p:nvSpPr>
+        <p:spPr/>
+        <p:txBody>
+          <a:bodyPr/>
+          <a:lstStyle/>
+          <a:p>
+            <a:r>
+              <a:rPr lang="en-US" dirty="0" smtClean="0"/>
+              <a:t>WSO2 ESB	</a:t>
+            </a:r>
+            <a:endParaRPr lang="en-US" dirty="0"/>
+          </a:p>
+        </p:txBody>
+      </p:sp>
+      <p:sp>
+        <p:nvSpPr>
+          <p:cNvPr id="3" name="Content Placeholder 2"/>
+          <p:cNvSpPr>
+            <a:spLocks noGrp="1"/>
+          </p:cNvSpPr>
+          <p:nvPr>
+            <p:ph idx="1"/>
+          </p:nvPr>
+        </p:nvSpPr>
+        <p:spPr/>
+        <p:txBody>
+          <a:bodyPr/>
+          <a:lstStyle/>
+          <a:p>
+            <a:r>
+              <a:rPr lang="en-US" dirty="0" smtClean="0"/>
+              <a:t>Also Apache License Open Source</a:t>
+            </a:r>
+          </a:p>
+          <a:p>
+            <a:r>
+              <a:rPr lang="en-US" dirty="0" smtClean="0"/>
+              <a:t>Adds a Graphical Web Interface</a:t>
+            </a:r>
+          </a:p>
+          <a:p>
+            <a:r>
+              <a:rPr lang="en-US" dirty="0" smtClean="0"/>
+              <a:t>Registry/Repository</a:t>
+            </a:r>
+          </a:p>
+          <a:p>
+            <a:r>
+              <a:rPr lang="en-US" dirty="0" smtClean="0"/>
+              <a:t>Deployment management/synchronization</a:t>
+            </a:r>
+          </a:p>
+          <a:p>
+            <a:r>
+              <a:rPr lang="en-US" dirty="0" smtClean="0"/>
+              <a:t>Other pluggable components</a:t>
+            </a:r>
+            <a:endParaRPr lang="en-US" dirty="0"/>
+          </a:p>
+        </p:txBody>
+      </p:sp>
+    </p:spTree>
+    <p:extLst>
+      <p:ext uri="{BB962C8B-B14F-4D97-AF65-F5344CB8AC3E}">
+        <p14:creationId xmlns:p14="http://schemas.microsoft.com/office/powerpoint/2010/main" val="2084074533"/>
+      </p:ext>
+    </p:extLst>
+  </p:cSld>
+  <p:clrMapOvr>
+    <a:masterClrMapping/>
+  </p:clrMapOvr>
+</p:sld>
+</file>
+
+<file path=ppt/slides/slide21.xml><?xml version="1.0" encoding="utf-8"?>
 <p:sld xmlns:a="http://schemas.openxmlformats.org/drawingml/2006/main" xmlns:r="http://schemas.openxmlformats.org/officeDocument/2006/relationships" xmlns:p="http://schemas.openxmlformats.org/presentationml/2006/main">
   <p:cSld>
     <p:spTree>
@@ -5556,7 +5587,7 @@
 </p:sld>
 </file>
 
-<file path=ppt/slides/slide21.xml><?xml version="1.0" encoding="utf-8"?>
+<file path=ppt/slides/slide22.xml><?xml version="1.0" encoding="utf-8"?>
 <p:sld xmlns:a="http://schemas.openxmlformats.org/drawingml/2006/main" xmlns:r="http://schemas.openxmlformats.org/officeDocument/2006/relationships" xmlns:p="http://schemas.openxmlformats.org/presentationml/2006/main">
   <p:cSld>
     <p:spTree>
@@ -7719,7 +7750,7 @@
 </p:sld>
 </file>
 
-<file path=ppt/slides/slide22.xml><?xml version="1.0" encoding="utf-8"?>
+<file path=ppt/slides/slide23.xml><?xml version="1.0" encoding="utf-8"?>
 <p:sld xmlns:a="http://schemas.openxmlformats.org/drawingml/2006/main" xmlns:r="http://schemas.openxmlformats.org/officeDocument/2006/relationships" xmlns:p="http://schemas.openxmlformats.org/presentationml/2006/main">
   <p:cSld>
     <p:spTree>
@@ -7923,7 +7954,7 @@
 </p:sld>
 </file>
 
-<file path=ppt/slides/slide23.xml><?xml version="1.0" encoding="utf-8"?>
+<file path=ppt/slides/slide24.xml><?xml version="1.0" encoding="utf-8"?>
 <p:sld xmlns:a="http://schemas.openxmlformats.org/drawingml/2006/main" xmlns:r="http://schemas.openxmlformats.org/officeDocument/2006/relationships" xmlns:p="http://schemas.openxmlformats.org/presentationml/2006/main">
   <p:cSld>
     <p:spTree>
@@ -9897,7 +9928,7 @@
 </p:sld>
 </file>
 
-<file path=ppt/slides/slide24.xml><?xml version="1.0" encoding="utf-8"?>
+<file path=ppt/slides/slide25.xml><?xml version="1.0" encoding="utf-8"?>
 <p:sld xmlns:a="http://schemas.openxmlformats.org/drawingml/2006/main" xmlns:r="http://schemas.openxmlformats.org/officeDocument/2006/relationships" xmlns:p="http://schemas.openxmlformats.org/presentationml/2006/main">
   <p:cSld>
     <p:spTree>
@@ -11738,7 +11769,7 @@
 </p:sld>
 </file>
 
-<file path=ppt/slides/slide25.xml><?xml version="1.0" encoding="utf-8"?>
+<file path=ppt/slides/slide26.xml><?xml version="1.0" encoding="utf-8"?>
 <p:sld xmlns:a="http://schemas.openxmlformats.org/drawingml/2006/main" xmlns:r="http://schemas.openxmlformats.org/officeDocument/2006/relationships" xmlns:p="http://schemas.openxmlformats.org/presentationml/2006/main">
   <p:cSld>
     <p:spTree>
@@ -11829,108 +11860,6 @@
     <p:extLst>
       <p:ext uri="{BB962C8B-B14F-4D97-AF65-F5344CB8AC3E}">
         <p14:creationId xmlns:p14="http://schemas.microsoft.com/office/powerpoint/2010/main" val="2822321882"/>
-      </p:ext>
-    </p:extLst>
-  </p:cSld>
-  <p:clrMapOvr>
-    <a:masterClrMapping/>
-  </p:clrMapOvr>
-</p:sld>
-</file>
-
-<file path=ppt/slides/slide26.xml><?xml version="1.0" encoding="utf-8"?>
-<p:sld xmlns:a="http://schemas.openxmlformats.org/drawingml/2006/main" xmlns:r="http://schemas.openxmlformats.org/officeDocument/2006/relationships" xmlns:p="http://schemas.openxmlformats.org/presentationml/2006/main">
-  <p:cSld>
-    <p:spTree>
-      <p:nvGrpSpPr>
-        <p:cNvPr id="1" name=""/>
-        <p:cNvGrpSpPr/>
-        <p:nvPr/>
-      </p:nvGrpSpPr>
-      <p:grpSpPr>
-        <a:xfrm>
-          <a:off x="0" y="0"/>
-          <a:ext cx="0" cy="0"/>
-          <a:chOff x="0" y="0"/>
-          <a:chExt cx="0" cy="0"/>
-        </a:xfrm>
-      </p:grpSpPr>
-      <p:sp>
-        <p:nvSpPr>
-          <p:cNvPr id="2" name="Title 1"/>
-          <p:cNvSpPr>
-            <a:spLocks noGrp="1"/>
-          </p:cNvSpPr>
-          <p:nvPr>
-            <p:ph type="title"/>
-          </p:nvPr>
-        </p:nvSpPr>
-        <p:spPr/>
-        <p:txBody>
-          <a:bodyPr/>
-          <a:lstStyle/>
-          <a:p>
-            <a:r>
-              <a:rPr lang="en-US" dirty="0" smtClean="0"/>
-              <a:t>Command Message</a:t>
-            </a:r>
-            <a:endParaRPr lang="en-US" dirty="0"/>
-          </a:p>
-        </p:txBody>
-      </p:sp>
-      <p:sp>
-        <p:nvSpPr>
-          <p:cNvPr id="3" name="Content Placeholder 2"/>
-          <p:cNvSpPr>
-            <a:spLocks noGrp="1"/>
-          </p:cNvSpPr>
-          <p:nvPr>
-            <p:ph idx="1"/>
-          </p:nvPr>
-        </p:nvSpPr>
-        <p:spPr/>
-        <p:txBody>
-          <a:bodyPr/>
-          <a:lstStyle/>
-          <a:p>
-            <a:r>
-              <a:rPr lang="en-US" dirty="0" smtClean="0"/>
-              <a:t>&lt;callout&gt; mediator</a:t>
-            </a:r>
-          </a:p>
-          <a:p>
-            <a:endParaRPr lang="en-US" dirty="0"/>
-          </a:p>
-        </p:txBody>
-      </p:sp>
-      <p:pic>
-        <p:nvPicPr>
-          <p:cNvPr id="4" name="Picture 3"/>
-          <p:cNvPicPr>
-            <a:picLocks noChangeAspect="1"/>
-          </p:cNvPicPr>
-          <p:nvPr/>
-        </p:nvPicPr>
-        <p:blipFill>
-          <a:blip r:embed="rId2"/>
-          <a:stretch>
-            <a:fillRect/>
-          </a:stretch>
-        </p:blipFill>
-        <p:spPr>
-          <a:xfrm>
-            <a:off x="2937600" y="2661399"/>
-            <a:ext cx="3248640" cy="1532321"/>
-          </a:xfrm>
-          <a:prstGeom prst="rect">
-            <a:avLst/>
-          </a:prstGeom>
-        </p:spPr>
-      </p:pic>
-    </p:spTree>
-    <p:extLst>
-      <p:ext uri="{BB962C8B-B14F-4D97-AF65-F5344CB8AC3E}">
-        <p14:creationId xmlns:p14="http://schemas.microsoft.com/office/powerpoint/2010/main" val="3242880528"/>
       </p:ext>
     </p:extLst>
   </p:cSld>
@@ -11974,7 +11903,7 @@
           <a:p>
             <a:r>
               <a:rPr lang="en-US" dirty="0" smtClean="0"/>
-              <a:t>Message Filter</a:t>
+              <a:t>Command Message</a:t>
             </a:r>
             <a:endParaRPr lang="en-US" dirty="0"/>
           </a:p>
@@ -11997,7 +11926,7 @@
           <a:p>
             <a:r>
               <a:rPr lang="en-US" dirty="0" smtClean="0"/>
-              <a:t>&lt;filter&gt; mediator (with &lt;drop&gt; mediator)</a:t>
+              <a:t>&lt;callout&gt; mediator</a:t>
             </a:r>
           </a:p>
           <a:p>
@@ -12021,8 +11950,8 @@
         </p:blipFill>
         <p:spPr>
           <a:xfrm>
-            <a:off x="1244160" y="2811175"/>
-            <a:ext cx="6635520" cy="1232769"/>
+            <a:off x="2937600" y="2661399"/>
+            <a:ext cx="3248640" cy="1532321"/>
           </a:xfrm>
           <a:prstGeom prst="rect">
             <a:avLst/>
@@ -12032,7 +11961,7 @@
     </p:spTree>
     <p:extLst>
       <p:ext uri="{BB962C8B-B14F-4D97-AF65-F5344CB8AC3E}">
-        <p14:creationId xmlns:p14="http://schemas.microsoft.com/office/powerpoint/2010/main" val="1777597918"/>
+        <p14:creationId xmlns:p14="http://schemas.microsoft.com/office/powerpoint/2010/main" val="3242880528"/>
       </p:ext>
     </p:extLst>
   </p:cSld>
@@ -12076,7 +12005,7 @@
           <a:p>
             <a:r>
               <a:rPr lang="en-US" dirty="0" smtClean="0"/>
-              <a:t>Splitter</a:t>
+              <a:t>Message Filter</a:t>
             </a:r>
             <a:endParaRPr lang="en-US" dirty="0"/>
           </a:p>
@@ -12099,8 +12028,10 @@
           <a:p>
             <a:r>
               <a:rPr lang="en-US" dirty="0" smtClean="0"/>
-              <a:t>Iterate Mediator</a:t>
-            </a:r>
+              <a:t>&lt;filter&gt; mediator (with &lt;drop&gt; mediator)</a:t>
+            </a:r>
+          </a:p>
+          <a:p>
             <a:endParaRPr lang="en-US" dirty="0"/>
           </a:p>
         </p:txBody>
@@ -12121,8 +12052,8 @@
         </p:blipFill>
         <p:spPr>
           <a:xfrm>
-            <a:off x="1820160" y="2695963"/>
-            <a:ext cx="5495040" cy="1451672"/>
+            <a:off x="1244160" y="2811175"/>
+            <a:ext cx="6635520" cy="1232769"/>
           </a:xfrm>
           <a:prstGeom prst="rect">
             <a:avLst/>
@@ -12132,7 +12063,7 @@
     </p:spTree>
     <p:extLst>
       <p:ext uri="{BB962C8B-B14F-4D97-AF65-F5344CB8AC3E}">
-        <p14:creationId xmlns:p14="http://schemas.microsoft.com/office/powerpoint/2010/main" val="3209619824"/>
+        <p14:creationId xmlns:p14="http://schemas.microsoft.com/office/powerpoint/2010/main" val="1777597918"/>
       </p:ext>
     </p:extLst>
   </p:cSld>
@@ -12176,7 +12107,7 @@
           <a:p>
             <a:r>
               <a:rPr lang="en-US" dirty="0" smtClean="0"/>
-              <a:t>Aggregator</a:t>
+              <a:t>Splitter</a:t>
             </a:r>
             <a:endParaRPr lang="en-US" dirty="0"/>
           </a:p>
@@ -12199,7 +12130,7 @@
           <a:p>
             <a:r>
               <a:rPr lang="en-US" dirty="0" smtClean="0"/>
-              <a:t>Aggregate mediator</a:t>
+              <a:t>Iterate Mediator</a:t>
             </a:r>
             <a:endParaRPr lang="en-US" dirty="0"/>
           </a:p>
@@ -12221,8 +12152,8 @@
         </p:blipFill>
         <p:spPr>
           <a:xfrm>
-            <a:off x="1969920" y="2649878"/>
-            <a:ext cx="5184000" cy="1543842"/>
+            <a:off x="1820160" y="2695963"/>
+            <a:ext cx="5495040" cy="1451672"/>
           </a:xfrm>
           <a:prstGeom prst="rect">
             <a:avLst/>
@@ -12232,7 +12163,7 @@
     </p:spTree>
     <p:extLst>
       <p:ext uri="{BB962C8B-B14F-4D97-AF65-F5344CB8AC3E}">
-        <p14:creationId xmlns:p14="http://schemas.microsoft.com/office/powerpoint/2010/main" val="2637491291"/>
+        <p14:creationId xmlns:p14="http://schemas.microsoft.com/office/powerpoint/2010/main" val="3209619824"/>
       </p:ext>
     </p:extLst>
   </p:cSld>
@@ -12261,7 +12192,7 @@
       </p:grpSpPr>
       <p:sp>
         <p:nvSpPr>
-          <p:cNvPr id="196610" name="Rectangle 2"/>
+          <p:cNvPr id="189442" name="Rectangle 2"/>
           <p:cNvSpPr>
             <a:spLocks noGrp="1" noChangeArrowheads="1"/>
           </p:cNvSpPr>
@@ -12275,822 +12206,85 @@
           <a:lstStyle/>
           <a:p>
             <a:r>
-              <a:rPr lang="en-US" sz="3200" dirty="0"/>
-              <a:t>ESB </a:t>
-            </a:r>
-            <a:r>
-              <a:rPr lang="en-US" sz="3200" dirty="0" smtClean="0"/>
-              <a:t>as </a:t>
-            </a:r>
-            <a:r>
-              <a:rPr lang="en-US" sz="3200" dirty="0"/>
-              <a:t>the implementation of </a:t>
-            </a:r>
-            <a:br>
-              <a:rPr lang="en-US" sz="3200" dirty="0"/>
-            </a:br>
-            <a:r>
-              <a:rPr lang="en-US" sz="3200" dirty="0"/>
-              <a:t>SOA</a:t>
-            </a:r>
+              <a:rPr lang="en-US" smtClean="0"/>
+              <a:t>Enterprise Service Bus (ESB)</a:t>
+            </a:r>
+            <a:endParaRPr lang="en-US"/>
           </a:p>
         </p:txBody>
       </p:sp>
       <p:sp>
         <p:nvSpPr>
-          <p:cNvPr id="196611" name="AutoShape 3"/>
+          <p:cNvPr id="189443" name="Rectangle 3"/>
           <p:cNvSpPr>
-            <a:spLocks noChangeArrowheads="1"/>
+            <a:spLocks noGrp="1" noChangeArrowheads="1"/>
           </p:cNvSpPr>
-          <p:nvPr/>
+          <p:nvPr>
+            <p:ph type="body" idx="1"/>
+          </p:nvPr>
         </p:nvSpPr>
-        <p:spPr bwMode="auto">
-          <a:xfrm>
-            <a:off x="1676400" y="3048000"/>
-            <a:ext cx="6858000" cy="1447800"/>
-          </a:xfrm>
-          <a:prstGeom prst="leftRightArrow">
-            <a:avLst>
-              <a:gd name="adj1" fmla="val 48750"/>
-              <a:gd name="adj2" fmla="val 47697"/>
-            </a:avLst>
-          </a:prstGeom>
-          <a:solidFill>
-            <a:srgbClr val="F1D7AD"/>
-          </a:solidFill>
-          <a:ln w="9525">
-            <a:solidFill>
-              <a:schemeClr val="tx1"/>
-            </a:solidFill>
-            <a:miter lim="800000"/>
-            <a:headEnd/>
-            <a:tailEnd/>
-          </a:ln>
-          <a:effectLst/>
-          <a:extLst>
-            <a:ext uri="{AF507438-7753-43e0-B8FC-AC1667EBCBE1}">
-              <a14:hiddenEffects xmlns:a14="http://schemas.microsoft.com/office/drawing/2010/main">
-                <a:effectLst>
-                  <a:outerShdw blurRad="63500" dist="38099" dir="2700000" algn="ctr" rotWithShape="0">
-                    <a:schemeClr val="bg2">
-                      <a:alpha val="74998"/>
-                    </a:schemeClr>
-                  </a:outerShdw>
-                </a:effectLst>
-              </a14:hiddenEffects>
-            </a:ext>
-          </a:extLst>
-        </p:spPr>
+        <p:spPr/>
         <p:txBody>
-          <a:bodyPr wrap="none" anchor="ctr"/>
+          <a:bodyPr>
+            <a:normAutofit fontScale="92500"/>
+          </a:bodyPr>
           <a:lstStyle/>
           <a:p>
-            <a:pPr algn="ctr"/>
-            <a:r>
-              <a:rPr lang="en-US">
-                <a:effectLst>
-                  <a:outerShdw blurRad="38100" dist="38100" dir="2700000" algn="tl">
-                    <a:srgbClr val="FFFFFF"/>
-                  </a:outerShdw>
-                </a:effectLst>
-              </a:rPr>
-              <a:t>Enterprise Service Bus</a:t>
-            </a:r>
-          </a:p>
-          <a:p>
-            <a:pPr algn="ctr"/>
-            <a:r>
-              <a:rPr lang="en-US">
-                <a:effectLst>
-                  <a:outerShdw blurRad="38100" dist="38100" dir="2700000" algn="tl">
-                    <a:srgbClr val="FFFFFF"/>
-                  </a:outerShdw>
-                </a:effectLst>
-              </a:rPr>
-              <a:t>Routing, Logging, Versioning, Transformation, Mgmt</a:t>
-            </a:r>
-          </a:p>
-        </p:txBody>
-      </p:sp>
-      <p:sp>
-        <p:nvSpPr>
-          <p:cNvPr id="196612" name="Rectangle 4"/>
-          <p:cNvSpPr>
-            <a:spLocks noChangeArrowheads="1"/>
-          </p:cNvSpPr>
-          <p:nvPr/>
-        </p:nvSpPr>
-        <p:spPr bwMode="auto">
-          <a:xfrm>
-            <a:off x="2590800" y="4800600"/>
-            <a:ext cx="1295400" cy="762000"/>
-          </a:xfrm>
-          <a:prstGeom prst="rect">
-            <a:avLst/>
-          </a:prstGeom>
-          <a:solidFill>
-            <a:srgbClr val="A1A8FD"/>
-          </a:solidFill>
-          <a:ln w="9525">
-            <a:solidFill>
-              <a:schemeClr val="tx1"/>
-            </a:solidFill>
-            <a:miter lim="800000"/>
-            <a:headEnd/>
-            <a:tailEnd/>
-          </a:ln>
-          <a:effectLst/>
-          <a:extLst>
-            <a:ext uri="{AF507438-7753-43e0-B8FC-AC1667EBCBE1}">
-              <a14:hiddenEffects xmlns:a14="http://schemas.microsoft.com/office/drawing/2010/main">
-                <a:effectLst>
-                  <a:outerShdw blurRad="63500" dist="38099" dir="2700000" algn="ctr" rotWithShape="0">
-                    <a:schemeClr val="bg2">
-                      <a:alpha val="74998"/>
-                    </a:schemeClr>
-                  </a:outerShdw>
-                </a:effectLst>
-              </a14:hiddenEffects>
-            </a:ext>
-          </a:extLst>
-        </p:spPr>
-        <p:txBody>
-          <a:bodyPr wrap="none" anchor="ctr"/>
-          <a:lstStyle/>
-          <a:p>
-            <a:pPr algn="ctr"/>
-            <a:r>
-              <a:rPr lang="en-US">
-                <a:effectLst>
-                  <a:outerShdw blurRad="38100" dist="38100" dir="2700000" algn="tl">
-                    <a:srgbClr val="FFFFFF"/>
-                  </a:outerShdw>
-                </a:effectLst>
-              </a:rPr>
-              <a:t>Process</a:t>
-            </a:r>
-          </a:p>
-          <a:p>
-            <a:pPr algn="ctr"/>
-            <a:r>
-              <a:rPr lang="en-US">
-                <a:effectLst>
-                  <a:outerShdw blurRad="38100" dist="38100" dir="2700000" algn="tl">
-                    <a:srgbClr val="FFFFFF"/>
-                  </a:outerShdw>
-                </a:effectLst>
-              </a:rPr>
-              <a:t>Management</a:t>
-            </a:r>
-          </a:p>
-        </p:txBody>
-      </p:sp>
-      <p:sp>
-        <p:nvSpPr>
-          <p:cNvPr id="196613" name="AutoShape 5"/>
-          <p:cNvSpPr>
-            <a:spLocks noChangeArrowheads="1"/>
-          </p:cNvSpPr>
-          <p:nvPr/>
-        </p:nvSpPr>
-        <p:spPr bwMode="auto">
-          <a:xfrm rot="16200000">
-            <a:off x="3009900" y="3848100"/>
-            <a:ext cx="457200" cy="1295400"/>
-          </a:xfrm>
-          <a:prstGeom prst="chevron">
-            <a:avLst>
-              <a:gd name="adj" fmla="val 25000"/>
-            </a:avLst>
-          </a:prstGeom>
-          <a:solidFill>
-            <a:schemeClr val="accent1"/>
-          </a:solidFill>
-          <a:ln w="9525">
-            <a:solidFill>
-              <a:schemeClr val="tx1"/>
-            </a:solidFill>
-            <a:miter lim="800000"/>
-            <a:headEnd/>
-            <a:tailEnd/>
-          </a:ln>
-          <a:effectLst/>
-          <a:extLst>
-            <a:ext uri="{AF507438-7753-43e0-B8FC-AC1667EBCBE1}">
-              <a14:hiddenEffects xmlns:a14="http://schemas.microsoft.com/office/drawing/2010/main">
-                <a:effectLst>
-                  <a:outerShdw blurRad="63500" dist="38099" dir="2700000" algn="ctr" rotWithShape="0">
-                    <a:schemeClr val="bg2">
-                      <a:alpha val="74998"/>
-                    </a:schemeClr>
-                  </a:outerShdw>
-                </a:effectLst>
-              </a14:hiddenEffects>
-            </a:ext>
-          </a:extLst>
-        </p:spPr>
-        <p:txBody>
-          <a:bodyPr wrap="none" anchor="ctr"/>
-          <a:lstStyle/>
-          <a:p>
-            <a:endParaRPr lang="en-US"/>
-          </a:p>
-        </p:txBody>
-      </p:sp>
-      <p:sp>
-        <p:nvSpPr>
-          <p:cNvPr id="196614" name="Rectangle 6"/>
-          <p:cNvSpPr>
-            <a:spLocks noChangeArrowheads="1"/>
-          </p:cNvSpPr>
-          <p:nvPr/>
-        </p:nvSpPr>
-        <p:spPr bwMode="auto">
-          <a:xfrm>
-            <a:off x="4267200" y="4800600"/>
-            <a:ext cx="1295400" cy="762000"/>
-          </a:xfrm>
-          <a:prstGeom prst="rect">
-            <a:avLst/>
-          </a:prstGeom>
-          <a:solidFill>
-            <a:srgbClr val="A1A8FD"/>
-          </a:solidFill>
-          <a:ln w="9525">
-            <a:solidFill>
-              <a:schemeClr val="tx1"/>
-            </a:solidFill>
-            <a:miter lim="800000"/>
-            <a:headEnd/>
-            <a:tailEnd/>
-          </a:ln>
-          <a:effectLst/>
-          <a:extLst>
-            <a:ext uri="{AF507438-7753-43e0-B8FC-AC1667EBCBE1}">
-              <a14:hiddenEffects xmlns:a14="http://schemas.microsoft.com/office/drawing/2010/main">
-                <a:effectLst>
-                  <a:outerShdw blurRad="63500" dist="38099" dir="2700000" algn="ctr" rotWithShape="0">
-                    <a:schemeClr val="bg2">
-                      <a:alpha val="74998"/>
-                    </a:schemeClr>
-                  </a:outerShdw>
-                </a:effectLst>
-              </a14:hiddenEffects>
-            </a:ext>
-          </a:extLst>
-        </p:spPr>
-        <p:txBody>
-          <a:bodyPr wrap="none" anchor="ctr"/>
-          <a:lstStyle/>
-          <a:p>
-            <a:pPr algn="ctr"/>
-            <a:r>
-              <a:rPr lang="en-US">
-                <a:effectLst>
-                  <a:outerShdw blurRad="38100" dist="38100" dir="2700000" algn="tl">
-                    <a:srgbClr val="FFFFFF"/>
-                  </a:outerShdw>
-                </a:effectLst>
-              </a:rPr>
-              <a:t>Portal</a:t>
-            </a:r>
-          </a:p>
-        </p:txBody>
-      </p:sp>
-      <p:sp>
-        <p:nvSpPr>
-          <p:cNvPr id="196615" name="AutoShape 7"/>
-          <p:cNvSpPr>
-            <a:spLocks noChangeArrowheads="1"/>
-          </p:cNvSpPr>
-          <p:nvPr/>
-        </p:nvSpPr>
-        <p:spPr bwMode="auto">
-          <a:xfrm rot="16200000">
-            <a:off x="4686300" y="3848100"/>
-            <a:ext cx="457200" cy="1295400"/>
-          </a:xfrm>
-          <a:prstGeom prst="chevron">
-            <a:avLst>
-              <a:gd name="adj" fmla="val 25000"/>
-            </a:avLst>
-          </a:prstGeom>
-          <a:solidFill>
-            <a:schemeClr val="accent1"/>
-          </a:solidFill>
-          <a:ln w="9525">
-            <a:solidFill>
-              <a:schemeClr val="tx1"/>
-            </a:solidFill>
-            <a:miter lim="800000"/>
-            <a:headEnd/>
-            <a:tailEnd/>
-          </a:ln>
-          <a:effectLst/>
-          <a:extLst>
-            <a:ext uri="{AF507438-7753-43e0-B8FC-AC1667EBCBE1}">
-              <a14:hiddenEffects xmlns:a14="http://schemas.microsoft.com/office/drawing/2010/main">
-                <a:effectLst>
-                  <a:outerShdw blurRad="63500" dist="38099" dir="2700000" algn="ctr" rotWithShape="0">
-                    <a:schemeClr val="bg2">
-                      <a:alpha val="74998"/>
-                    </a:schemeClr>
-                  </a:outerShdw>
-                </a:effectLst>
-              </a14:hiddenEffects>
-            </a:ext>
-          </a:extLst>
-        </p:spPr>
-        <p:txBody>
-          <a:bodyPr wrap="none" anchor="ctr"/>
-          <a:lstStyle/>
-          <a:p>
-            <a:endParaRPr lang="en-US"/>
-          </a:p>
-        </p:txBody>
-      </p:sp>
-      <p:sp>
-        <p:nvSpPr>
-          <p:cNvPr id="196616" name="Rectangle 8"/>
-          <p:cNvSpPr>
-            <a:spLocks noChangeArrowheads="1"/>
-          </p:cNvSpPr>
-          <p:nvPr/>
-        </p:nvSpPr>
-        <p:spPr bwMode="auto">
-          <a:xfrm>
-            <a:off x="6019800" y="4800600"/>
-            <a:ext cx="1295400" cy="762000"/>
-          </a:xfrm>
-          <a:prstGeom prst="rect">
-            <a:avLst/>
-          </a:prstGeom>
-          <a:solidFill>
-            <a:srgbClr val="A1A8FD"/>
-          </a:solidFill>
-          <a:ln w="9525">
-            <a:solidFill>
-              <a:schemeClr val="tx1"/>
-            </a:solidFill>
-            <a:miter lim="800000"/>
-            <a:headEnd/>
-            <a:tailEnd/>
-          </a:ln>
-          <a:effectLst/>
-          <a:extLst>
-            <a:ext uri="{AF507438-7753-43e0-B8FC-AC1667EBCBE1}">
-              <a14:hiddenEffects xmlns:a14="http://schemas.microsoft.com/office/drawing/2010/main">
-                <a:effectLst>
-                  <a:outerShdw blurRad="63500" dist="38099" dir="2700000" algn="ctr" rotWithShape="0">
-                    <a:schemeClr val="bg2">
-                      <a:alpha val="74998"/>
-                    </a:schemeClr>
-                  </a:outerShdw>
-                </a:effectLst>
-              </a14:hiddenEffects>
-            </a:ext>
-          </a:extLst>
-        </p:spPr>
-        <p:txBody>
-          <a:bodyPr wrap="none" anchor="ctr"/>
-          <a:lstStyle/>
-          <a:p>
-            <a:pPr algn="ctr"/>
-            <a:r>
-              <a:rPr lang="en-US">
-                <a:effectLst>
-                  <a:outerShdw blurRad="38100" dist="38100" dir="2700000" algn="tl">
-                    <a:srgbClr val="FFFFFF"/>
-                  </a:outerShdw>
-                </a:effectLst>
-              </a:rPr>
-              <a:t>Call Center</a:t>
-            </a:r>
-          </a:p>
-        </p:txBody>
-      </p:sp>
-      <p:sp>
-        <p:nvSpPr>
-          <p:cNvPr id="196617" name="AutoShape 9"/>
-          <p:cNvSpPr>
-            <a:spLocks noChangeArrowheads="1"/>
-          </p:cNvSpPr>
-          <p:nvPr/>
-        </p:nvSpPr>
-        <p:spPr bwMode="auto">
-          <a:xfrm rot="16200000">
-            <a:off x="6438900" y="3848100"/>
-            <a:ext cx="457200" cy="1295400"/>
-          </a:xfrm>
-          <a:prstGeom prst="chevron">
-            <a:avLst>
-              <a:gd name="adj" fmla="val 25000"/>
-            </a:avLst>
-          </a:prstGeom>
-          <a:solidFill>
-            <a:schemeClr val="accent1"/>
-          </a:solidFill>
-          <a:ln w="9525">
-            <a:solidFill>
-              <a:schemeClr val="tx1"/>
-            </a:solidFill>
-            <a:miter lim="800000"/>
-            <a:headEnd/>
-            <a:tailEnd/>
-          </a:ln>
-          <a:effectLst/>
-          <a:extLst>
-            <a:ext uri="{AF507438-7753-43e0-B8FC-AC1667EBCBE1}">
-              <a14:hiddenEffects xmlns:a14="http://schemas.microsoft.com/office/drawing/2010/main">
-                <a:effectLst>
-                  <a:outerShdw blurRad="63500" dist="38099" dir="2700000" algn="ctr" rotWithShape="0">
-                    <a:schemeClr val="bg2">
-                      <a:alpha val="74998"/>
-                    </a:schemeClr>
-                  </a:outerShdw>
-                </a:effectLst>
-              </a14:hiddenEffects>
-            </a:ext>
-          </a:extLst>
-        </p:spPr>
-        <p:txBody>
-          <a:bodyPr wrap="none" anchor="ctr"/>
-          <a:lstStyle/>
-          <a:p>
-            <a:endParaRPr lang="en-US"/>
-          </a:p>
-        </p:txBody>
-      </p:sp>
-      <p:sp>
-        <p:nvSpPr>
-          <p:cNvPr id="196618" name="Rectangle 10"/>
-          <p:cNvSpPr>
-            <a:spLocks noChangeArrowheads="1"/>
-          </p:cNvSpPr>
-          <p:nvPr/>
-        </p:nvSpPr>
-        <p:spPr bwMode="auto">
-          <a:xfrm rot="10800000">
-            <a:off x="2589213" y="1981200"/>
-            <a:ext cx="1295400" cy="762000"/>
-          </a:xfrm>
-          <a:prstGeom prst="rect">
-            <a:avLst/>
-          </a:prstGeom>
-          <a:solidFill>
-            <a:srgbClr val="A1A8FD"/>
-          </a:solidFill>
-          <a:ln w="9525">
-            <a:solidFill>
-              <a:schemeClr val="tx1"/>
-            </a:solidFill>
-            <a:miter lim="800000"/>
-            <a:headEnd/>
-            <a:tailEnd/>
-          </a:ln>
-          <a:effectLst/>
-          <a:extLst>
-            <a:ext uri="{AF507438-7753-43e0-B8FC-AC1667EBCBE1}">
-              <a14:hiddenEffects xmlns:a14="http://schemas.microsoft.com/office/drawing/2010/main">
-                <a:effectLst>
-                  <a:outerShdw blurRad="63500" dist="38099" dir="2700000" algn="ctr" rotWithShape="0">
-                    <a:schemeClr val="bg2">
-                      <a:alpha val="74998"/>
-                    </a:schemeClr>
-                  </a:outerShdw>
-                </a:effectLst>
-              </a14:hiddenEffects>
-            </a:ext>
-          </a:extLst>
-        </p:spPr>
-        <p:txBody>
-          <a:bodyPr rot="10800000" wrap="none" anchor="ctr"/>
-          <a:lstStyle/>
-          <a:p>
-            <a:pPr algn="ctr"/>
-            <a:r>
-              <a:rPr lang="en-US">
-                <a:effectLst>
-                  <a:outerShdw blurRad="38100" dist="38100" dir="2700000" algn="tl">
-                    <a:srgbClr val="FFFFFF"/>
-                  </a:outerShdw>
-                </a:effectLst>
-              </a:rPr>
-              <a:t>Service</a:t>
-            </a:r>
-          </a:p>
-        </p:txBody>
-      </p:sp>
-      <p:sp>
-        <p:nvSpPr>
-          <p:cNvPr id="196619" name="AutoShape 11"/>
-          <p:cNvSpPr>
-            <a:spLocks noChangeArrowheads="1"/>
-          </p:cNvSpPr>
-          <p:nvPr/>
-        </p:nvSpPr>
-        <p:spPr bwMode="auto">
-          <a:xfrm rot="27000000">
-            <a:off x="3008313" y="2400300"/>
-            <a:ext cx="457200" cy="1295400"/>
-          </a:xfrm>
-          <a:prstGeom prst="chevron">
-            <a:avLst>
-              <a:gd name="adj" fmla="val 25000"/>
-            </a:avLst>
-          </a:prstGeom>
-          <a:solidFill>
-            <a:schemeClr val="accent1"/>
-          </a:solidFill>
-          <a:ln w="9525">
-            <a:solidFill>
-              <a:schemeClr val="tx1"/>
-            </a:solidFill>
-            <a:miter lim="800000"/>
-            <a:headEnd/>
-            <a:tailEnd/>
-          </a:ln>
-          <a:effectLst/>
-          <a:extLst>
-            <a:ext uri="{AF507438-7753-43e0-B8FC-AC1667EBCBE1}">
-              <a14:hiddenEffects xmlns:a14="http://schemas.microsoft.com/office/drawing/2010/main">
-                <a:effectLst>
-                  <a:outerShdw blurRad="63500" dist="38099" dir="2700000" algn="ctr" rotWithShape="0">
-                    <a:schemeClr val="bg2">
-                      <a:alpha val="74998"/>
-                    </a:schemeClr>
-                  </a:outerShdw>
-                </a:effectLst>
-              </a14:hiddenEffects>
-            </a:ext>
-          </a:extLst>
-        </p:spPr>
-        <p:txBody>
-          <a:bodyPr rot="10800000" vert="eaVert" wrap="none" anchor="ctr"/>
-          <a:lstStyle/>
-          <a:p>
-            <a:pPr algn="ctr"/>
-            <a:r>
-              <a:rPr lang="en-US" sz="1400">
-                <a:effectLst>
-                  <a:outerShdw blurRad="38100" dist="38100" dir="2700000" algn="tl">
-                    <a:srgbClr val="FFFFFF"/>
-                  </a:outerShdw>
-                </a:effectLst>
-              </a:rPr>
-              <a:t>Contract</a:t>
-            </a:r>
-          </a:p>
-        </p:txBody>
-      </p:sp>
-      <p:sp>
-        <p:nvSpPr>
-          <p:cNvPr id="196620" name="Rectangle 12"/>
-          <p:cNvSpPr>
-            <a:spLocks noChangeArrowheads="1"/>
-          </p:cNvSpPr>
-          <p:nvPr/>
-        </p:nvSpPr>
-        <p:spPr bwMode="auto">
-          <a:xfrm rot="10800000">
-            <a:off x="4343400" y="1981200"/>
-            <a:ext cx="1295400" cy="762000"/>
-          </a:xfrm>
-          <a:prstGeom prst="rect">
-            <a:avLst/>
-          </a:prstGeom>
-          <a:solidFill>
-            <a:srgbClr val="A1A8FD"/>
-          </a:solidFill>
-          <a:ln w="9525">
-            <a:solidFill>
-              <a:schemeClr val="tx1"/>
-            </a:solidFill>
-            <a:miter lim="800000"/>
-            <a:headEnd/>
-            <a:tailEnd/>
-          </a:ln>
-          <a:effectLst/>
-          <a:extLst>
-            <a:ext uri="{AF507438-7753-43e0-B8FC-AC1667EBCBE1}">
-              <a14:hiddenEffects xmlns:a14="http://schemas.microsoft.com/office/drawing/2010/main">
-                <a:effectLst>
-                  <a:outerShdw blurRad="63500" dist="38099" dir="2700000" algn="ctr" rotWithShape="0">
-                    <a:schemeClr val="bg2">
-                      <a:alpha val="74998"/>
-                    </a:schemeClr>
-                  </a:outerShdw>
-                </a:effectLst>
-              </a14:hiddenEffects>
-            </a:ext>
-          </a:extLst>
-        </p:spPr>
-        <p:txBody>
-          <a:bodyPr rot="10800000" wrap="none" anchor="ctr"/>
-          <a:lstStyle/>
-          <a:p>
-            <a:pPr algn="ctr"/>
-            <a:r>
-              <a:rPr lang="en-US">
-                <a:effectLst>
-                  <a:outerShdw blurRad="38100" dist="38100" dir="2700000" algn="tl">
-                    <a:srgbClr val="FFFFFF"/>
-                  </a:outerShdw>
-                </a:effectLst>
-              </a:rPr>
-              <a:t>Service</a:t>
-            </a:r>
-          </a:p>
-        </p:txBody>
-      </p:sp>
-      <p:sp>
-        <p:nvSpPr>
-          <p:cNvPr id="196621" name="AutoShape 13"/>
-          <p:cNvSpPr>
-            <a:spLocks noChangeArrowheads="1"/>
-          </p:cNvSpPr>
-          <p:nvPr/>
-        </p:nvSpPr>
-        <p:spPr bwMode="auto">
-          <a:xfrm rot="27000000">
-            <a:off x="4762500" y="2400300"/>
-            <a:ext cx="457200" cy="1295400"/>
-          </a:xfrm>
-          <a:prstGeom prst="chevron">
-            <a:avLst>
-              <a:gd name="adj" fmla="val 25000"/>
-            </a:avLst>
-          </a:prstGeom>
-          <a:solidFill>
-            <a:schemeClr val="accent1"/>
-          </a:solidFill>
-          <a:ln w="9525">
-            <a:solidFill>
-              <a:schemeClr val="tx1"/>
-            </a:solidFill>
-            <a:miter lim="800000"/>
-            <a:headEnd/>
-            <a:tailEnd/>
-          </a:ln>
-          <a:effectLst/>
-          <a:extLst>
-            <a:ext uri="{AF507438-7753-43e0-B8FC-AC1667EBCBE1}">
-              <a14:hiddenEffects xmlns:a14="http://schemas.microsoft.com/office/drawing/2010/main">
-                <a:effectLst>
-                  <a:outerShdw blurRad="63500" dist="38099" dir="2700000" algn="ctr" rotWithShape="0">
-                    <a:schemeClr val="bg2">
-                      <a:alpha val="74998"/>
-                    </a:schemeClr>
-                  </a:outerShdw>
-                </a:effectLst>
-              </a14:hiddenEffects>
-            </a:ext>
-          </a:extLst>
-        </p:spPr>
-        <p:txBody>
-          <a:bodyPr rot="10800000" vert="eaVert" wrap="none" anchor="ctr"/>
-          <a:lstStyle/>
-          <a:p>
-            <a:pPr algn="ctr"/>
-            <a:r>
-              <a:rPr lang="en-US" sz="1400">
-                <a:effectLst>
-                  <a:outerShdw blurRad="38100" dist="38100" dir="2700000" algn="tl">
-                    <a:srgbClr val="FFFFFF"/>
-                  </a:outerShdw>
-                </a:effectLst>
-              </a:rPr>
-              <a:t>Contract</a:t>
-            </a:r>
-          </a:p>
-        </p:txBody>
-      </p:sp>
-      <p:sp>
-        <p:nvSpPr>
-          <p:cNvPr id="196622" name="Rectangle 14"/>
-          <p:cNvSpPr>
-            <a:spLocks noChangeArrowheads="1"/>
-          </p:cNvSpPr>
-          <p:nvPr/>
-        </p:nvSpPr>
-        <p:spPr bwMode="auto">
-          <a:xfrm rot="10800000">
-            <a:off x="6096000" y="1981200"/>
-            <a:ext cx="1295400" cy="762000"/>
-          </a:xfrm>
-          <a:prstGeom prst="rect">
-            <a:avLst/>
-          </a:prstGeom>
-          <a:solidFill>
-            <a:srgbClr val="A1A8FD"/>
-          </a:solidFill>
-          <a:ln w="9525">
-            <a:solidFill>
-              <a:schemeClr val="tx1"/>
-            </a:solidFill>
-            <a:miter lim="800000"/>
-            <a:headEnd/>
-            <a:tailEnd/>
-          </a:ln>
-          <a:effectLst/>
-          <a:extLst>
-            <a:ext uri="{AF507438-7753-43e0-B8FC-AC1667EBCBE1}">
-              <a14:hiddenEffects xmlns:a14="http://schemas.microsoft.com/office/drawing/2010/main">
-                <a:effectLst>
-                  <a:outerShdw blurRad="63500" dist="38099" dir="2700000" algn="ctr" rotWithShape="0">
-                    <a:schemeClr val="bg2">
-                      <a:alpha val="74998"/>
-                    </a:schemeClr>
-                  </a:outerShdw>
-                </a:effectLst>
-              </a14:hiddenEffects>
-            </a:ext>
-          </a:extLst>
-        </p:spPr>
-        <p:txBody>
-          <a:bodyPr rot="10800000" wrap="none" anchor="ctr"/>
-          <a:lstStyle/>
-          <a:p>
-            <a:pPr algn="ctr"/>
-            <a:r>
-              <a:rPr lang="en-US">
-                <a:effectLst>
-                  <a:outerShdw blurRad="38100" dist="38100" dir="2700000" algn="tl">
-                    <a:srgbClr val="FFFFFF"/>
-                  </a:outerShdw>
-                </a:effectLst>
-              </a:rPr>
-              <a:t>Service</a:t>
-            </a:r>
-          </a:p>
-        </p:txBody>
-      </p:sp>
-      <p:sp>
-        <p:nvSpPr>
-          <p:cNvPr id="196623" name="AutoShape 15"/>
-          <p:cNvSpPr>
-            <a:spLocks noChangeArrowheads="1"/>
-          </p:cNvSpPr>
-          <p:nvPr/>
-        </p:nvSpPr>
-        <p:spPr bwMode="auto">
-          <a:xfrm rot="27000000">
-            <a:off x="6515100" y="2400300"/>
-            <a:ext cx="457200" cy="1295400"/>
-          </a:xfrm>
-          <a:prstGeom prst="chevron">
-            <a:avLst>
-              <a:gd name="adj" fmla="val 25000"/>
-            </a:avLst>
-          </a:prstGeom>
-          <a:solidFill>
-            <a:schemeClr val="accent1"/>
-          </a:solidFill>
-          <a:ln w="9525">
-            <a:solidFill>
-              <a:schemeClr val="tx1"/>
-            </a:solidFill>
-            <a:miter lim="800000"/>
-            <a:headEnd/>
-            <a:tailEnd/>
-          </a:ln>
-          <a:effectLst/>
-          <a:extLst>
-            <a:ext uri="{AF507438-7753-43e0-B8FC-AC1667EBCBE1}">
-              <a14:hiddenEffects xmlns:a14="http://schemas.microsoft.com/office/drawing/2010/main">
-                <a:effectLst>
-                  <a:outerShdw blurRad="63500" dist="38099" dir="2700000" algn="ctr" rotWithShape="0">
-                    <a:schemeClr val="bg2">
-                      <a:alpha val="74998"/>
-                    </a:schemeClr>
-                  </a:outerShdw>
-                </a:effectLst>
-              </a14:hiddenEffects>
-            </a:ext>
-          </a:extLst>
-        </p:spPr>
-        <p:txBody>
-          <a:bodyPr rot="10800000" vert="eaVert" wrap="none" anchor="ctr"/>
-          <a:lstStyle/>
-          <a:p>
-            <a:pPr algn="ctr"/>
-            <a:r>
-              <a:rPr lang="en-US" sz="1400">
-                <a:effectLst>
-                  <a:outerShdw blurRad="38100" dist="38100" dir="2700000" algn="tl">
-                    <a:srgbClr val="FFFFFF"/>
-                  </a:outerShdw>
-                </a:effectLst>
-              </a:rPr>
-              <a:t>Contract</a:t>
-            </a:r>
+            <a:r>
+              <a:rPr lang="en-US" smtClean="0"/>
+              <a:t>A software architecture</a:t>
+            </a:r>
+          </a:p>
+          <a:p>
+            <a:pPr lvl="1"/>
+            <a:r>
+              <a:rPr lang="en-US" smtClean="0"/>
+              <a:t>A logical intermediary through which every message flows</a:t>
+            </a:r>
+          </a:p>
+          <a:p>
+            <a:pPr lvl="1"/>
+            <a:r>
+              <a:rPr lang="en-US" smtClean="0"/>
+              <a:t>Offers a policy based approach to decide what to do to each message or interaction</a:t>
+            </a:r>
+          </a:p>
+          <a:p>
+            <a:r>
+              <a:rPr lang="en-US" smtClean="0"/>
+              <a:t>The benefits of the gateway model</a:t>
+            </a:r>
+          </a:p>
+          <a:p>
+            <a:pPr lvl="1"/>
+            <a:r>
+              <a:rPr lang="en-US" smtClean="0"/>
+              <a:t>Without a physical hub and spoke</a:t>
+            </a:r>
+          </a:p>
+          <a:p>
+            <a:r>
+              <a:rPr lang="en-US" smtClean="0"/>
+              <a:t>Many vendors offer ESB products</a:t>
+            </a:r>
+          </a:p>
+          <a:p>
+            <a:pPr lvl="1"/>
+            <a:r>
+              <a:rPr lang="en-US" smtClean="0"/>
+              <a:t>Often a layer over an existing messaging framework</a:t>
+            </a:r>
+          </a:p>
+          <a:p>
+            <a:pPr lvl="1"/>
+            <a:endParaRPr lang="en-US" dirty="0"/>
           </a:p>
         </p:txBody>
       </p:sp>
     </p:spTree>
     <p:extLst>
       <p:ext uri="{BB962C8B-B14F-4D97-AF65-F5344CB8AC3E}">
-        <p14:creationId xmlns:p14="http://schemas.microsoft.com/office/powerpoint/2010/main" val="1355177428"/>
+        <p14:creationId xmlns:p14="http://schemas.microsoft.com/office/powerpoint/2010/main" val="3884011263"/>
       </p:ext>
     </p:extLst>
   </p:cSld>
@@ -13149,6 +12343,106 @@
           <a:p>
             <a:r>
               <a:rPr lang="en-US" dirty="0" smtClean="0"/>
+              <a:t>Aggregator</a:t>
+            </a:r>
+            <a:endParaRPr lang="en-US" dirty="0"/>
+          </a:p>
+        </p:txBody>
+      </p:sp>
+      <p:sp>
+        <p:nvSpPr>
+          <p:cNvPr id="3" name="Content Placeholder 2"/>
+          <p:cNvSpPr>
+            <a:spLocks noGrp="1"/>
+          </p:cNvSpPr>
+          <p:nvPr>
+            <p:ph idx="1"/>
+          </p:nvPr>
+        </p:nvSpPr>
+        <p:spPr/>
+        <p:txBody>
+          <a:bodyPr/>
+          <a:lstStyle/>
+          <a:p>
+            <a:r>
+              <a:rPr lang="en-US" dirty="0" smtClean="0"/>
+              <a:t>Aggregate mediator</a:t>
+            </a:r>
+            <a:endParaRPr lang="en-US" dirty="0"/>
+          </a:p>
+        </p:txBody>
+      </p:sp>
+      <p:pic>
+        <p:nvPicPr>
+          <p:cNvPr id="4" name="Picture 3"/>
+          <p:cNvPicPr>
+            <a:picLocks noChangeAspect="1"/>
+          </p:cNvPicPr>
+          <p:nvPr/>
+        </p:nvPicPr>
+        <p:blipFill>
+          <a:blip r:embed="rId2"/>
+          <a:stretch>
+            <a:fillRect/>
+          </a:stretch>
+        </p:blipFill>
+        <p:spPr>
+          <a:xfrm>
+            <a:off x="1969920" y="2649878"/>
+            <a:ext cx="5184000" cy="1543842"/>
+          </a:xfrm>
+          <a:prstGeom prst="rect">
+            <a:avLst/>
+          </a:prstGeom>
+        </p:spPr>
+      </p:pic>
+    </p:spTree>
+    <p:extLst>
+      <p:ext uri="{BB962C8B-B14F-4D97-AF65-F5344CB8AC3E}">
+        <p14:creationId xmlns:p14="http://schemas.microsoft.com/office/powerpoint/2010/main" val="2637491291"/>
+      </p:ext>
+    </p:extLst>
+  </p:cSld>
+  <p:clrMapOvr>
+    <a:masterClrMapping/>
+  </p:clrMapOvr>
+</p:sld>
+</file>
+
+<file path=ppt/slides/slide31.xml><?xml version="1.0" encoding="utf-8"?>
+<p:sld xmlns:a="http://schemas.openxmlformats.org/drawingml/2006/main" xmlns:r="http://schemas.openxmlformats.org/officeDocument/2006/relationships" xmlns:p="http://schemas.openxmlformats.org/presentationml/2006/main">
+  <p:cSld>
+    <p:spTree>
+      <p:nvGrpSpPr>
+        <p:cNvPr id="1" name=""/>
+        <p:cNvGrpSpPr/>
+        <p:nvPr/>
+      </p:nvGrpSpPr>
+      <p:grpSpPr>
+        <a:xfrm>
+          <a:off x="0" y="0"/>
+          <a:ext cx="0" cy="0"/>
+          <a:chOff x="0" y="0"/>
+          <a:chExt cx="0" cy="0"/>
+        </a:xfrm>
+      </p:grpSpPr>
+      <p:sp>
+        <p:nvSpPr>
+          <p:cNvPr id="2" name="Title 1"/>
+          <p:cNvSpPr>
+            <a:spLocks noGrp="1"/>
+          </p:cNvSpPr>
+          <p:nvPr>
+            <p:ph type="title"/>
+          </p:nvPr>
+        </p:nvSpPr>
+        <p:spPr/>
+        <p:txBody>
+          <a:bodyPr/>
+          <a:lstStyle/>
+          <a:p>
+            <a:r>
+              <a:rPr lang="en-US" dirty="0" smtClean="0"/>
               <a:t>Composed Message Processor</a:t>
             </a:r>
             <a:endParaRPr lang="en-US" dirty="0"/>
@@ -13222,7 +12516,7 @@
 </p:sld>
 </file>
 
-<file path=ppt/slides/slide31.xml><?xml version="1.0" encoding="utf-8"?>
+<file path=ppt/slides/slide32.xml><?xml version="1.0" encoding="utf-8"?>
 <p:sld xmlns:a="http://schemas.openxmlformats.org/drawingml/2006/main" xmlns:r="http://schemas.openxmlformats.org/officeDocument/2006/relationships" xmlns:p="http://schemas.openxmlformats.org/presentationml/2006/main">
   <p:cSld>
     <p:spTree>
@@ -13388,7 +12682,7 @@
 </p:sld>
 </file>
 
-<file path=ppt/slides/slide32.xml><?xml version="1.0" encoding="utf-8"?>
+<file path=ppt/slides/slide33.xml><?xml version="1.0" encoding="utf-8"?>
 <p:sld xmlns:a="http://schemas.openxmlformats.org/drawingml/2006/main" xmlns:r="http://schemas.openxmlformats.org/officeDocument/2006/relationships" xmlns:p="http://schemas.openxmlformats.org/presentationml/2006/main">
   <p:cSld>
     <p:spTree>
@@ -13743,7 +13037,7 @@
 </p:sld>
 </file>
 
-<file path=ppt/slides/slide33.xml><?xml version="1.0" encoding="utf-8"?>
+<file path=ppt/slides/slide34.xml><?xml version="1.0" encoding="utf-8"?>
 <p:sld xmlns:a="http://schemas.openxmlformats.org/drawingml/2006/main" xmlns:r="http://schemas.openxmlformats.org/officeDocument/2006/relationships" xmlns:p="http://schemas.openxmlformats.org/presentationml/2006/main">
   <p:cSld>
     <p:spTree>
@@ -13913,7 +13207,7 @@
 </p:sld>
 </file>
 
-<file path=ppt/slides/slide34.xml><?xml version="1.0" encoding="utf-8"?>
+<file path=ppt/slides/slide35.xml><?xml version="1.0" encoding="utf-8"?>
 <p:sld xmlns:a="http://schemas.openxmlformats.org/drawingml/2006/main" xmlns:r="http://schemas.openxmlformats.org/officeDocument/2006/relationships" xmlns:p="http://schemas.openxmlformats.org/presentationml/2006/main">
   <p:cSld>
     <p:spTree>
@@ -14716,7 +14010,7 @@
 </p:sld>
 </file>
 
-<file path=ppt/slides/slide35.xml><?xml version="1.0" encoding="utf-8"?>
+<file path=ppt/slides/slide36.xml><?xml version="1.0" encoding="utf-8"?>
 <p:sld xmlns:a="http://schemas.openxmlformats.org/drawingml/2006/main" xmlns:r="http://schemas.openxmlformats.org/officeDocument/2006/relationships" xmlns:p="http://schemas.openxmlformats.org/presentationml/2006/main">
   <p:cSld>
     <p:spTree>
@@ -14934,6 +14228,879 @@
       </p:grpSpPr>
       <p:sp>
         <p:nvSpPr>
+          <p:cNvPr id="196610" name="Rectangle 2"/>
+          <p:cNvSpPr>
+            <a:spLocks noGrp="1" noChangeArrowheads="1"/>
+          </p:cNvSpPr>
+          <p:nvPr>
+            <p:ph type="title"/>
+          </p:nvPr>
+        </p:nvSpPr>
+        <p:spPr/>
+        <p:txBody>
+          <a:bodyPr/>
+          <a:lstStyle/>
+          <a:p>
+            <a:r>
+              <a:rPr lang="en-US" sz="3200" dirty="0"/>
+              <a:t>ESB </a:t>
+            </a:r>
+            <a:r>
+              <a:rPr lang="en-US" sz="3200" dirty="0" smtClean="0"/>
+              <a:t>as </a:t>
+            </a:r>
+            <a:r>
+              <a:rPr lang="en-US" sz="3200" dirty="0"/>
+              <a:t>the implementation of </a:t>
+            </a:r>
+            <a:br>
+              <a:rPr lang="en-US" sz="3200" dirty="0"/>
+            </a:br>
+            <a:r>
+              <a:rPr lang="en-US" sz="3200" dirty="0"/>
+              <a:t>SOA</a:t>
+            </a:r>
+          </a:p>
+        </p:txBody>
+      </p:sp>
+      <p:sp>
+        <p:nvSpPr>
+          <p:cNvPr id="196611" name="AutoShape 3"/>
+          <p:cNvSpPr>
+            <a:spLocks noChangeArrowheads="1"/>
+          </p:cNvSpPr>
+          <p:nvPr/>
+        </p:nvSpPr>
+        <p:spPr bwMode="auto">
+          <a:xfrm>
+            <a:off x="1676400" y="3048000"/>
+            <a:ext cx="6858000" cy="1447800"/>
+          </a:xfrm>
+          <a:prstGeom prst="leftRightArrow">
+            <a:avLst>
+              <a:gd name="adj1" fmla="val 48750"/>
+              <a:gd name="adj2" fmla="val 47697"/>
+            </a:avLst>
+          </a:prstGeom>
+          <a:solidFill>
+            <a:srgbClr val="F1D7AD"/>
+          </a:solidFill>
+          <a:ln w="9525">
+            <a:solidFill>
+              <a:schemeClr val="tx1"/>
+            </a:solidFill>
+            <a:miter lim="800000"/>
+            <a:headEnd/>
+            <a:tailEnd/>
+          </a:ln>
+          <a:effectLst/>
+          <a:extLst>
+            <a:ext uri="{AF507438-7753-43e0-B8FC-AC1667EBCBE1}">
+              <a14:hiddenEffects xmlns:a14="http://schemas.microsoft.com/office/drawing/2010/main">
+                <a:effectLst>
+                  <a:outerShdw blurRad="63500" dist="38099" dir="2700000" algn="ctr" rotWithShape="0">
+                    <a:schemeClr val="bg2">
+                      <a:alpha val="74998"/>
+                    </a:schemeClr>
+                  </a:outerShdw>
+                </a:effectLst>
+              </a14:hiddenEffects>
+            </a:ext>
+          </a:extLst>
+        </p:spPr>
+        <p:txBody>
+          <a:bodyPr wrap="none" anchor="ctr"/>
+          <a:lstStyle/>
+          <a:p>
+            <a:pPr algn="ctr"/>
+            <a:r>
+              <a:rPr lang="en-US">
+                <a:effectLst>
+                  <a:outerShdw blurRad="38100" dist="38100" dir="2700000" algn="tl">
+                    <a:srgbClr val="FFFFFF"/>
+                  </a:outerShdw>
+                </a:effectLst>
+              </a:rPr>
+              <a:t>Enterprise Service Bus</a:t>
+            </a:r>
+          </a:p>
+          <a:p>
+            <a:pPr algn="ctr"/>
+            <a:r>
+              <a:rPr lang="en-US">
+                <a:effectLst>
+                  <a:outerShdw blurRad="38100" dist="38100" dir="2700000" algn="tl">
+                    <a:srgbClr val="FFFFFF"/>
+                  </a:outerShdw>
+                </a:effectLst>
+              </a:rPr>
+              <a:t>Routing, Logging, Versioning, Transformation, Mgmt</a:t>
+            </a:r>
+          </a:p>
+        </p:txBody>
+      </p:sp>
+      <p:sp>
+        <p:nvSpPr>
+          <p:cNvPr id="196612" name="Rectangle 4"/>
+          <p:cNvSpPr>
+            <a:spLocks noChangeArrowheads="1"/>
+          </p:cNvSpPr>
+          <p:nvPr/>
+        </p:nvSpPr>
+        <p:spPr bwMode="auto">
+          <a:xfrm>
+            <a:off x="2590800" y="4800600"/>
+            <a:ext cx="1295400" cy="762000"/>
+          </a:xfrm>
+          <a:prstGeom prst="rect">
+            <a:avLst/>
+          </a:prstGeom>
+          <a:solidFill>
+            <a:srgbClr val="A1A8FD"/>
+          </a:solidFill>
+          <a:ln w="9525">
+            <a:solidFill>
+              <a:schemeClr val="tx1"/>
+            </a:solidFill>
+            <a:miter lim="800000"/>
+            <a:headEnd/>
+            <a:tailEnd/>
+          </a:ln>
+          <a:effectLst/>
+          <a:extLst>
+            <a:ext uri="{AF507438-7753-43e0-B8FC-AC1667EBCBE1}">
+              <a14:hiddenEffects xmlns:a14="http://schemas.microsoft.com/office/drawing/2010/main">
+                <a:effectLst>
+                  <a:outerShdw blurRad="63500" dist="38099" dir="2700000" algn="ctr" rotWithShape="0">
+                    <a:schemeClr val="bg2">
+                      <a:alpha val="74998"/>
+                    </a:schemeClr>
+                  </a:outerShdw>
+                </a:effectLst>
+              </a14:hiddenEffects>
+            </a:ext>
+          </a:extLst>
+        </p:spPr>
+        <p:txBody>
+          <a:bodyPr wrap="none" anchor="ctr"/>
+          <a:lstStyle/>
+          <a:p>
+            <a:pPr algn="ctr"/>
+            <a:r>
+              <a:rPr lang="en-US">
+                <a:effectLst>
+                  <a:outerShdw blurRad="38100" dist="38100" dir="2700000" algn="tl">
+                    <a:srgbClr val="FFFFFF"/>
+                  </a:outerShdw>
+                </a:effectLst>
+              </a:rPr>
+              <a:t>Process</a:t>
+            </a:r>
+          </a:p>
+          <a:p>
+            <a:pPr algn="ctr"/>
+            <a:r>
+              <a:rPr lang="en-US">
+                <a:effectLst>
+                  <a:outerShdw blurRad="38100" dist="38100" dir="2700000" algn="tl">
+                    <a:srgbClr val="FFFFFF"/>
+                  </a:outerShdw>
+                </a:effectLst>
+              </a:rPr>
+              <a:t>Management</a:t>
+            </a:r>
+          </a:p>
+        </p:txBody>
+      </p:sp>
+      <p:sp>
+        <p:nvSpPr>
+          <p:cNvPr id="196613" name="AutoShape 5"/>
+          <p:cNvSpPr>
+            <a:spLocks noChangeArrowheads="1"/>
+          </p:cNvSpPr>
+          <p:nvPr/>
+        </p:nvSpPr>
+        <p:spPr bwMode="auto">
+          <a:xfrm rot="16200000">
+            <a:off x="3009900" y="3848100"/>
+            <a:ext cx="457200" cy="1295400"/>
+          </a:xfrm>
+          <a:prstGeom prst="chevron">
+            <a:avLst>
+              <a:gd name="adj" fmla="val 25000"/>
+            </a:avLst>
+          </a:prstGeom>
+          <a:solidFill>
+            <a:schemeClr val="accent1"/>
+          </a:solidFill>
+          <a:ln w="9525">
+            <a:solidFill>
+              <a:schemeClr val="tx1"/>
+            </a:solidFill>
+            <a:miter lim="800000"/>
+            <a:headEnd/>
+            <a:tailEnd/>
+          </a:ln>
+          <a:effectLst/>
+          <a:extLst>
+            <a:ext uri="{AF507438-7753-43e0-B8FC-AC1667EBCBE1}">
+              <a14:hiddenEffects xmlns:a14="http://schemas.microsoft.com/office/drawing/2010/main">
+                <a:effectLst>
+                  <a:outerShdw blurRad="63500" dist="38099" dir="2700000" algn="ctr" rotWithShape="0">
+                    <a:schemeClr val="bg2">
+                      <a:alpha val="74998"/>
+                    </a:schemeClr>
+                  </a:outerShdw>
+                </a:effectLst>
+              </a14:hiddenEffects>
+            </a:ext>
+          </a:extLst>
+        </p:spPr>
+        <p:txBody>
+          <a:bodyPr wrap="none" anchor="ctr"/>
+          <a:lstStyle/>
+          <a:p>
+            <a:endParaRPr lang="en-US"/>
+          </a:p>
+        </p:txBody>
+      </p:sp>
+      <p:sp>
+        <p:nvSpPr>
+          <p:cNvPr id="196614" name="Rectangle 6"/>
+          <p:cNvSpPr>
+            <a:spLocks noChangeArrowheads="1"/>
+          </p:cNvSpPr>
+          <p:nvPr/>
+        </p:nvSpPr>
+        <p:spPr bwMode="auto">
+          <a:xfrm>
+            <a:off x="4267200" y="4800600"/>
+            <a:ext cx="1295400" cy="762000"/>
+          </a:xfrm>
+          <a:prstGeom prst="rect">
+            <a:avLst/>
+          </a:prstGeom>
+          <a:solidFill>
+            <a:srgbClr val="A1A8FD"/>
+          </a:solidFill>
+          <a:ln w="9525">
+            <a:solidFill>
+              <a:schemeClr val="tx1"/>
+            </a:solidFill>
+            <a:miter lim="800000"/>
+            <a:headEnd/>
+            <a:tailEnd/>
+          </a:ln>
+          <a:effectLst/>
+          <a:extLst>
+            <a:ext uri="{AF507438-7753-43e0-B8FC-AC1667EBCBE1}">
+              <a14:hiddenEffects xmlns:a14="http://schemas.microsoft.com/office/drawing/2010/main">
+                <a:effectLst>
+                  <a:outerShdw blurRad="63500" dist="38099" dir="2700000" algn="ctr" rotWithShape="0">
+                    <a:schemeClr val="bg2">
+                      <a:alpha val="74998"/>
+                    </a:schemeClr>
+                  </a:outerShdw>
+                </a:effectLst>
+              </a14:hiddenEffects>
+            </a:ext>
+          </a:extLst>
+        </p:spPr>
+        <p:txBody>
+          <a:bodyPr wrap="none" anchor="ctr"/>
+          <a:lstStyle/>
+          <a:p>
+            <a:pPr algn="ctr"/>
+            <a:r>
+              <a:rPr lang="en-US">
+                <a:effectLst>
+                  <a:outerShdw blurRad="38100" dist="38100" dir="2700000" algn="tl">
+                    <a:srgbClr val="FFFFFF"/>
+                  </a:outerShdw>
+                </a:effectLst>
+              </a:rPr>
+              <a:t>Portal</a:t>
+            </a:r>
+          </a:p>
+        </p:txBody>
+      </p:sp>
+      <p:sp>
+        <p:nvSpPr>
+          <p:cNvPr id="196615" name="AutoShape 7"/>
+          <p:cNvSpPr>
+            <a:spLocks noChangeArrowheads="1"/>
+          </p:cNvSpPr>
+          <p:nvPr/>
+        </p:nvSpPr>
+        <p:spPr bwMode="auto">
+          <a:xfrm rot="16200000">
+            <a:off x="4686300" y="3848100"/>
+            <a:ext cx="457200" cy="1295400"/>
+          </a:xfrm>
+          <a:prstGeom prst="chevron">
+            <a:avLst>
+              <a:gd name="adj" fmla="val 25000"/>
+            </a:avLst>
+          </a:prstGeom>
+          <a:solidFill>
+            <a:schemeClr val="accent1"/>
+          </a:solidFill>
+          <a:ln w="9525">
+            <a:solidFill>
+              <a:schemeClr val="tx1"/>
+            </a:solidFill>
+            <a:miter lim="800000"/>
+            <a:headEnd/>
+            <a:tailEnd/>
+          </a:ln>
+          <a:effectLst/>
+          <a:extLst>
+            <a:ext uri="{AF507438-7753-43e0-B8FC-AC1667EBCBE1}">
+              <a14:hiddenEffects xmlns:a14="http://schemas.microsoft.com/office/drawing/2010/main">
+                <a:effectLst>
+                  <a:outerShdw blurRad="63500" dist="38099" dir="2700000" algn="ctr" rotWithShape="0">
+                    <a:schemeClr val="bg2">
+                      <a:alpha val="74998"/>
+                    </a:schemeClr>
+                  </a:outerShdw>
+                </a:effectLst>
+              </a14:hiddenEffects>
+            </a:ext>
+          </a:extLst>
+        </p:spPr>
+        <p:txBody>
+          <a:bodyPr wrap="none" anchor="ctr"/>
+          <a:lstStyle/>
+          <a:p>
+            <a:endParaRPr lang="en-US"/>
+          </a:p>
+        </p:txBody>
+      </p:sp>
+      <p:sp>
+        <p:nvSpPr>
+          <p:cNvPr id="196616" name="Rectangle 8"/>
+          <p:cNvSpPr>
+            <a:spLocks noChangeArrowheads="1"/>
+          </p:cNvSpPr>
+          <p:nvPr/>
+        </p:nvSpPr>
+        <p:spPr bwMode="auto">
+          <a:xfrm>
+            <a:off x="6019800" y="4800600"/>
+            <a:ext cx="1295400" cy="762000"/>
+          </a:xfrm>
+          <a:prstGeom prst="rect">
+            <a:avLst/>
+          </a:prstGeom>
+          <a:solidFill>
+            <a:srgbClr val="A1A8FD"/>
+          </a:solidFill>
+          <a:ln w="9525">
+            <a:solidFill>
+              <a:schemeClr val="tx1"/>
+            </a:solidFill>
+            <a:miter lim="800000"/>
+            <a:headEnd/>
+            <a:tailEnd/>
+          </a:ln>
+          <a:effectLst/>
+          <a:extLst>
+            <a:ext uri="{AF507438-7753-43e0-B8FC-AC1667EBCBE1}">
+              <a14:hiddenEffects xmlns:a14="http://schemas.microsoft.com/office/drawing/2010/main">
+                <a:effectLst>
+                  <a:outerShdw blurRad="63500" dist="38099" dir="2700000" algn="ctr" rotWithShape="0">
+                    <a:schemeClr val="bg2">
+                      <a:alpha val="74998"/>
+                    </a:schemeClr>
+                  </a:outerShdw>
+                </a:effectLst>
+              </a14:hiddenEffects>
+            </a:ext>
+          </a:extLst>
+        </p:spPr>
+        <p:txBody>
+          <a:bodyPr wrap="none" anchor="ctr"/>
+          <a:lstStyle/>
+          <a:p>
+            <a:pPr algn="ctr"/>
+            <a:r>
+              <a:rPr lang="en-US">
+                <a:effectLst>
+                  <a:outerShdw blurRad="38100" dist="38100" dir="2700000" algn="tl">
+                    <a:srgbClr val="FFFFFF"/>
+                  </a:outerShdw>
+                </a:effectLst>
+              </a:rPr>
+              <a:t>Call Center</a:t>
+            </a:r>
+          </a:p>
+        </p:txBody>
+      </p:sp>
+      <p:sp>
+        <p:nvSpPr>
+          <p:cNvPr id="196617" name="AutoShape 9"/>
+          <p:cNvSpPr>
+            <a:spLocks noChangeArrowheads="1"/>
+          </p:cNvSpPr>
+          <p:nvPr/>
+        </p:nvSpPr>
+        <p:spPr bwMode="auto">
+          <a:xfrm rot="16200000">
+            <a:off x="6438900" y="3848100"/>
+            <a:ext cx="457200" cy="1295400"/>
+          </a:xfrm>
+          <a:prstGeom prst="chevron">
+            <a:avLst>
+              <a:gd name="adj" fmla="val 25000"/>
+            </a:avLst>
+          </a:prstGeom>
+          <a:solidFill>
+            <a:schemeClr val="accent1"/>
+          </a:solidFill>
+          <a:ln w="9525">
+            <a:solidFill>
+              <a:schemeClr val="tx1"/>
+            </a:solidFill>
+            <a:miter lim="800000"/>
+            <a:headEnd/>
+            <a:tailEnd/>
+          </a:ln>
+          <a:effectLst/>
+          <a:extLst>
+            <a:ext uri="{AF507438-7753-43e0-B8FC-AC1667EBCBE1}">
+              <a14:hiddenEffects xmlns:a14="http://schemas.microsoft.com/office/drawing/2010/main">
+                <a:effectLst>
+                  <a:outerShdw blurRad="63500" dist="38099" dir="2700000" algn="ctr" rotWithShape="0">
+                    <a:schemeClr val="bg2">
+                      <a:alpha val="74998"/>
+                    </a:schemeClr>
+                  </a:outerShdw>
+                </a:effectLst>
+              </a14:hiddenEffects>
+            </a:ext>
+          </a:extLst>
+        </p:spPr>
+        <p:txBody>
+          <a:bodyPr wrap="none" anchor="ctr"/>
+          <a:lstStyle/>
+          <a:p>
+            <a:endParaRPr lang="en-US"/>
+          </a:p>
+        </p:txBody>
+      </p:sp>
+      <p:sp>
+        <p:nvSpPr>
+          <p:cNvPr id="196618" name="Rectangle 10"/>
+          <p:cNvSpPr>
+            <a:spLocks noChangeArrowheads="1"/>
+          </p:cNvSpPr>
+          <p:nvPr/>
+        </p:nvSpPr>
+        <p:spPr bwMode="auto">
+          <a:xfrm rot="10800000">
+            <a:off x="2589213" y="1981200"/>
+            <a:ext cx="1295400" cy="762000"/>
+          </a:xfrm>
+          <a:prstGeom prst="rect">
+            <a:avLst/>
+          </a:prstGeom>
+          <a:solidFill>
+            <a:srgbClr val="A1A8FD"/>
+          </a:solidFill>
+          <a:ln w="9525">
+            <a:solidFill>
+              <a:schemeClr val="tx1"/>
+            </a:solidFill>
+            <a:miter lim="800000"/>
+            <a:headEnd/>
+            <a:tailEnd/>
+          </a:ln>
+          <a:effectLst/>
+          <a:extLst>
+            <a:ext uri="{AF507438-7753-43e0-B8FC-AC1667EBCBE1}">
+              <a14:hiddenEffects xmlns:a14="http://schemas.microsoft.com/office/drawing/2010/main">
+                <a:effectLst>
+                  <a:outerShdw blurRad="63500" dist="38099" dir="2700000" algn="ctr" rotWithShape="0">
+                    <a:schemeClr val="bg2">
+                      <a:alpha val="74998"/>
+                    </a:schemeClr>
+                  </a:outerShdw>
+                </a:effectLst>
+              </a14:hiddenEffects>
+            </a:ext>
+          </a:extLst>
+        </p:spPr>
+        <p:txBody>
+          <a:bodyPr rot="10800000" wrap="none" anchor="ctr"/>
+          <a:lstStyle/>
+          <a:p>
+            <a:pPr algn="ctr"/>
+            <a:r>
+              <a:rPr lang="en-US">
+                <a:effectLst>
+                  <a:outerShdw blurRad="38100" dist="38100" dir="2700000" algn="tl">
+                    <a:srgbClr val="FFFFFF"/>
+                  </a:outerShdw>
+                </a:effectLst>
+              </a:rPr>
+              <a:t>Service</a:t>
+            </a:r>
+          </a:p>
+        </p:txBody>
+      </p:sp>
+      <p:sp>
+        <p:nvSpPr>
+          <p:cNvPr id="196619" name="AutoShape 11"/>
+          <p:cNvSpPr>
+            <a:spLocks noChangeArrowheads="1"/>
+          </p:cNvSpPr>
+          <p:nvPr/>
+        </p:nvSpPr>
+        <p:spPr bwMode="auto">
+          <a:xfrm rot="27000000">
+            <a:off x="3008313" y="2400300"/>
+            <a:ext cx="457200" cy="1295400"/>
+          </a:xfrm>
+          <a:prstGeom prst="chevron">
+            <a:avLst>
+              <a:gd name="adj" fmla="val 25000"/>
+            </a:avLst>
+          </a:prstGeom>
+          <a:solidFill>
+            <a:schemeClr val="accent1"/>
+          </a:solidFill>
+          <a:ln w="9525">
+            <a:solidFill>
+              <a:schemeClr val="tx1"/>
+            </a:solidFill>
+            <a:miter lim="800000"/>
+            <a:headEnd/>
+            <a:tailEnd/>
+          </a:ln>
+          <a:effectLst/>
+          <a:extLst>
+            <a:ext uri="{AF507438-7753-43e0-B8FC-AC1667EBCBE1}">
+              <a14:hiddenEffects xmlns:a14="http://schemas.microsoft.com/office/drawing/2010/main">
+                <a:effectLst>
+                  <a:outerShdw blurRad="63500" dist="38099" dir="2700000" algn="ctr" rotWithShape="0">
+                    <a:schemeClr val="bg2">
+                      <a:alpha val="74998"/>
+                    </a:schemeClr>
+                  </a:outerShdw>
+                </a:effectLst>
+              </a14:hiddenEffects>
+            </a:ext>
+          </a:extLst>
+        </p:spPr>
+        <p:txBody>
+          <a:bodyPr rot="10800000" vert="eaVert" wrap="none" anchor="ctr"/>
+          <a:lstStyle/>
+          <a:p>
+            <a:pPr algn="ctr"/>
+            <a:r>
+              <a:rPr lang="en-US" sz="1400">
+                <a:effectLst>
+                  <a:outerShdw blurRad="38100" dist="38100" dir="2700000" algn="tl">
+                    <a:srgbClr val="FFFFFF"/>
+                  </a:outerShdw>
+                </a:effectLst>
+              </a:rPr>
+              <a:t>Contract</a:t>
+            </a:r>
+          </a:p>
+        </p:txBody>
+      </p:sp>
+      <p:sp>
+        <p:nvSpPr>
+          <p:cNvPr id="196620" name="Rectangle 12"/>
+          <p:cNvSpPr>
+            <a:spLocks noChangeArrowheads="1"/>
+          </p:cNvSpPr>
+          <p:nvPr/>
+        </p:nvSpPr>
+        <p:spPr bwMode="auto">
+          <a:xfrm rot="10800000">
+            <a:off x="4343400" y="1981200"/>
+            <a:ext cx="1295400" cy="762000"/>
+          </a:xfrm>
+          <a:prstGeom prst="rect">
+            <a:avLst/>
+          </a:prstGeom>
+          <a:solidFill>
+            <a:srgbClr val="A1A8FD"/>
+          </a:solidFill>
+          <a:ln w="9525">
+            <a:solidFill>
+              <a:schemeClr val="tx1"/>
+            </a:solidFill>
+            <a:miter lim="800000"/>
+            <a:headEnd/>
+            <a:tailEnd/>
+          </a:ln>
+          <a:effectLst/>
+          <a:extLst>
+            <a:ext uri="{AF507438-7753-43e0-B8FC-AC1667EBCBE1}">
+              <a14:hiddenEffects xmlns:a14="http://schemas.microsoft.com/office/drawing/2010/main">
+                <a:effectLst>
+                  <a:outerShdw blurRad="63500" dist="38099" dir="2700000" algn="ctr" rotWithShape="0">
+                    <a:schemeClr val="bg2">
+                      <a:alpha val="74998"/>
+                    </a:schemeClr>
+                  </a:outerShdw>
+                </a:effectLst>
+              </a14:hiddenEffects>
+            </a:ext>
+          </a:extLst>
+        </p:spPr>
+        <p:txBody>
+          <a:bodyPr rot="10800000" wrap="none" anchor="ctr"/>
+          <a:lstStyle/>
+          <a:p>
+            <a:pPr algn="ctr"/>
+            <a:r>
+              <a:rPr lang="en-US">
+                <a:effectLst>
+                  <a:outerShdw blurRad="38100" dist="38100" dir="2700000" algn="tl">
+                    <a:srgbClr val="FFFFFF"/>
+                  </a:outerShdw>
+                </a:effectLst>
+              </a:rPr>
+              <a:t>Service</a:t>
+            </a:r>
+          </a:p>
+        </p:txBody>
+      </p:sp>
+      <p:sp>
+        <p:nvSpPr>
+          <p:cNvPr id="196621" name="AutoShape 13"/>
+          <p:cNvSpPr>
+            <a:spLocks noChangeArrowheads="1"/>
+          </p:cNvSpPr>
+          <p:nvPr/>
+        </p:nvSpPr>
+        <p:spPr bwMode="auto">
+          <a:xfrm rot="27000000">
+            <a:off x="4762500" y="2400300"/>
+            <a:ext cx="457200" cy="1295400"/>
+          </a:xfrm>
+          <a:prstGeom prst="chevron">
+            <a:avLst>
+              <a:gd name="adj" fmla="val 25000"/>
+            </a:avLst>
+          </a:prstGeom>
+          <a:solidFill>
+            <a:schemeClr val="accent1"/>
+          </a:solidFill>
+          <a:ln w="9525">
+            <a:solidFill>
+              <a:schemeClr val="tx1"/>
+            </a:solidFill>
+            <a:miter lim="800000"/>
+            <a:headEnd/>
+            <a:tailEnd/>
+          </a:ln>
+          <a:effectLst/>
+          <a:extLst>
+            <a:ext uri="{AF507438-7753-43e0-B8FC-AC1667EBCBE1}">
+              <a14:hiddenEffects xmlns:a14="http://schemas.microsoft.com/office/drawing/2010/main">
+                <a:effectLst>
+                  <a:outerShdw blurRad="63500" dist="38099" dir="2700000" algn="ctr" rotWithShape="0">
+                    <a:schemeClr val="bg2">
+                      <a:alpha val="74998"/>
+                    </a:schemeClr>
+                  </a:outerShdw>
+                </a:effectLst>
+              </a14:hiddenEffects>
+            </a:ext>
+          </a:extLst>
+        </p:spPr>
+        <p:txBody>
+          <a:bodyPr rot="10800000" vert="eaVert" wrap="none" anchor="ctr"/>
+          <a:lstStyle/>
+          <a:p>
+            <a:pPr algn="ctr"/>
+            <a:r>
+              <a:rPr lang="en-US" sz="1400">
+                <a:effectLst>
+                  <a:outerShdw blurRad="38100" dist="38100" dir="2700000" algn="tl">
+                    <a:srgbClr val="FFFFFF"/>
+                  </a:outerShdw>
+                </a:effectLst>
+              </a:rPr>
+              <a:t>Contract</a:t>
+            </a:r>
+          </a:p>
+        </p:txBody>
+      </p:sp>
+      <p:sp>
+        <p:nvSpPr>
+          <p:cNvPr id="196622" name="Rectangle 14"/>
+          <p:cNvSpPr>
+            <a:spLocks noChangeArrowheads="1"/>
+          </p:cNvSpPr>
+          <p:nvPr/>
+        </p:nvSpPr>
+        <p:spPr bwMode="auto">
+          <a:xfrm rot="10800000">
+            <a:off x="6096000" y="1981200"/>
+            <a:ext cx="1295400" cy="762000"/>
+          </a:xfrm>
+          <a:prstGeom prst="rect">
+            <a:avLst/>
+          </a:prstGeom>
+          <a:solidFill>
+            <a:srgbClr val="A1A8FD"/>
+          </a:solidFill>
+          <a:ln w="9525">
+            <a:solidFill>
+              <a:schemeClr val="tx1"/>
+            </a:solidFill>
+            <a:miter lim="800000"/>
+            <a:headEnd/>
+            <a:tailEnd/>
+          </a:ln>
+          <a:effectLst/>
+          <a:extLst>
+            <a:ext uri="{AF507438-7753-43e0-B8FC-AC1667EBCBE1}">
+              <a14:hiddenEffects xmlns:a14="http://schemas.microsoft.com/office/drawing/2010/main">
+                <a:effectLst>
+                  <a:outerShdw blurRad="63500" dist="38099" dir="2700000" algn="ctr" rotWithShape="0">
+                    <a:schemeClr val="bg2">
+                      <a:alpha val="74998"/>
+                    </a:schemeClr>
+                  </a:outerShdw>
+                </a:effectLst>
+              </a14:hiddenEffects>
+            </a:ext>
+          </a:extLst>
+        </p:spPr>
+        <p:txBody>
+          <a:bodyPr rot="10800000" wrap="none" anchor="ctr"/>
+          <a:lstStyle/>
+          <a:p>
+            <a:pPr algn="ctr"/>
+            <a:r>
+              <a:rPr lang="en-US">
+                <a:effectLst>
+                  <a:outerShdw blurRad="38100" dist="38100" dir="2700000" algn="tl">
+                    <a:srgbClr val="FFFFFF"/>
+                  </a:outerShdw>
+                </a:effectLst>
+              </a:rPr>
+              <a:t>Service</a:t>
+            </a:r>
+          </a:p>
+        </p:txBody>
+      </p:sp>
+      <p:sp>
+        <p:nvSpPr>
+          <p:cNvPr id="196623" name="AutoShape 15"/>
+          <p:cNvSpPr>
+            <a:spLocks noChangeArrowheads="1"/>
+          </p:cNvSpPr>
+          <p:nvPr/>
+        </p:nvSpPr>
+        <p:spPr bwMode="auto">
+          <a:xfrm rot="27000000">
+            <a:off x="6515100" y="2400300"/>
+            <a:ext cx="457200" cy="1295400"/>
+          </a:xfrm>
+          <a:prstGeom prst="chevron">
+            <a:avLst>
+              <a:gd name="adj" fmla="val 25000"/>
+            </a:avLst>
+          </a:prstGeom>
+          <a:solidFill>
+            <a:schemeClr val="accent1"/>
+          </a:solidFill>
+          <a:ln w="9525">
+            <a:solidFill>
+              <a:schemeClr val="tx1"/>
+            </a:solidFill>
+            <a:miter lim="800000"/>
+            <a:headEnd/>
+            <a:tailEnd/>
+          </a:ln>
+          <a:effectLst/>
+          <a:extLst>
+            <a:ext uri="{AF507438-7753-43e0-B8FC-AC1667EBCBE1}">
+              <a14:hiddenEffects xmlns:a14="http://schemas.microsoft.com/office/drawing/2010/main">
+                <a:effectLst>
+                  <a:outerShdw blurRad="63500" dist="38099" dir="2700000" algn="ctr" rotWithShape="0">
+                    <a:schemeClr val="bg2">
+                      <a:alpha val="74998"/>
+                    </a:schemeClr>
+                  </a:outerShdw>
+                </a:effectLst>
+              </a14:hiddenEffects>
+            </a:ext>
+          </a:extLst>
+        </p:spPr>
+        <p:txBody>
+          <a:bodyPr rot="10800000" vert="eaVert" wrap="none" anchor="ctr"/>
+          <a:lstStyle/>
+          <a:p>
+            <a:pPr algn="ctr"/>
+            <a:r>
+              <a:rPr lang="en-US" sz="1400">
+                <a:effectLst>
+                  <a:outerShdw blurRad="38100" dist="38100" dir="2700000" algn="tl">
+                    <a:srgbClr val="FFFFFF"/>
+                  </a:outerShdw>
+                </a:effectLst>
+              </a:rPr>
+              <a:t>Contract</a:t>
+            </a:r>
+          </a:p>
+        </p:txBody>
+      </p:sp>
+    </p:spTree>
+    <p:extLst>
+      <p:ext uri="{BB962C8B-B14F-4D97-AF65-F5344CB8AC3E}">
+        <p14:creationId xmlns:p14="http://schemas.microsoft.com/office/powerpoint/2010/main" val="1355177428"/>
+      </p:ext>
+    </p:extLst>
+  </p:cSld>
+  <p:clrMapOvr>
+    <a:masterClrMapping/>
+  </p:clrMapOvr>
+  <mc:AlternateContent xmlns:mc="http://schemas.openxmlformats.org/markup-compatibility/2006" xmlns:p14="http://schemas.microsoft.com/office/powerpoint/2010/main">
+    <mc:Choice Requires="p14">
+      <p:transition spd="slow" p14:dur="2000"/>
+    </mc:Choice>
+    <mc:Fallback xmlns="">
+      <p:transition xmlns:p14="http://schemas.microsoft.com/office/powerpoint/2010/main" spd="slow"/>
+    </mc:Fallback>
+  </mc:AlternateContent>
+  <p:timing>
+    <p:tnLst>
+      <p:par>
+        <p:cTn xmlns:p14="http://schemas.microsoft.com/office/powerpoint/2010/main" id="1" dur="indefinite" restart="never" nodeType="tmRoot"/>
+      </p:par>
+    </p:tnLst>
+  </p:timing>
+</p:sld>
+</file>
+
+<file path=ppt/slides/slide5.xml><?xml version="1.0" encoding="utf-8"?>
+<p:sld xmlns:a="http://schemas.openxmlformats.org/drawingml/2006/main" xmlns:r="http://schemas.openxmlformats.org/officeDocument/2006/relationships" xmlns:p="http://schemas.openxmlformats.org/presentationml/2006/main">
+  <p:cSld>
+    <p:spTree>
+      <p:nvGrpSpPr>
+        <p:cNvPr id="1" name=""/>
+        <p:cNvGrpSpPr/>
+        <p:nvPr/>
+      </p:nvGrpSpPr>
+      <p:grpSpPr>
+        <a:xfrm>
+          <a:off x="0" y="0"/>
+          <a:ext cx="0" cy="0"/>
+          <a:chOff x="0" y="0"/>
+          <a:chExt cx="0" cy="0"/>
+        </a:xfrm>
+      </p:grpSpPr>
+      <p:sp>
+        <p:nvSpPr>
           <p:cNvPr id="2" name="Title 1"/>
           <p:cNvSpPr>
             <a:spLocks noGrp="1"/>
@@ -15015,7 +15182,7 @@
 </p:sld>
 </file>
 
-<file path=ppt/slides/slide5.xml><?xml version="1.0" encoding="utf-8"?>
+<file path=ppt/slides/slide6.xml><?xml version="1.0" encoding="utf-8"?>
 <p:sld xmlns:a="http://schemas.openxmlformats.org/drawingml/2006/main" xmlns:r="http://schemas.openxmlformats.org/officeDocument/2006/relationships" xmlns:p="http://schemas.openxmlformats.org/presentationml/2006/main">
   <p:cSld>
     <p:spTree>
@@ -15209,7 +15376,7 @@
 </p:sld>
 </file>
 
-<file path=ppt/slides/slide6.xml><?xml version="1.0" encoding="utf-8"?>
+<file path=ppt/slides/slide7.xml><?xml version="1.0" encoding="utf-8"?>
 <p:sld xmlns:a="http://schemas.openxmlformats.org/drawingml/2006/main" xmlns:r="http://schemas.openxmlformats.org/officeDocument/2006/relationships" xmlns:p="http://schemas.openxmlformats.org/presentationml/2006/main">
   <p:cSld>
     <p:spTree>
@@ -15333,7 +15500,7 @@
 </p:sld>
 </file>
 
-<file path=ppt/slides/slide7.xml><?xml version="1.0" encoding="utf-8"?>
+<file path=ppt/slides/slide8.xml><?xml version="1.0" encoding="utf-8"?>
 <p:sld xmlns:a="http://schemas.openxmlformats.org/drawingml/2006/main" xmlns:r="http://schemas.openxmlformats.org/officeDocument/2006/relationships" xmlns:p="http://schemas.openxmlformats.org/presentationml/2006/main">
   <p:cSld>
     <p:spTree>
@@ -15430,7 +15597,7 @@
 </p:sld>
 </file>
 
-<file path=ppt/slides/slide8.xml><?xml version="1.0" encoding="utf-8"?>
+<file path=ppt/slides/slide9.xml><?xml version="1.0" encoding="utf-8"?>
 <p:sld xmlns:a="http://schemas.openxmlformats.org/drawingml/2006/main" xmlns:r="http://schemas.openxmlformats.org/officeDocument/2006/relationships" xmlns:p="http://schemas.openxmlformats.org/presentationml/2006/main">
   <p:cSld>
     <p:spTree>
@@ -15537,83 +15704,6 @@
     <p:extLst>
       <p:ext uri="{BB962C8B-B14F-4D97-AF65-F5344CB8AC3E}">
         <p14:creationId xmlns:p14="http://schemas.microsoft.com/office/powerpoint/2010/main" val="2656593958"/>
-      </p:ext>
-    </p:extLst>
-  </p:cSld>
-  <p:clrMapOvr>
-    <a:masterClrMapping/>
-  </p:clrMapOvr>
-</p:sld>
-</file>
-
-<file path=ppt/slides/slide9.xml><?xml version="1.0" encoding="utf-8"?>
-<p:sld xmlns:a="http://schemas.openxmlformats.org/drawingml/2006/main" xmlns:r="http://schemas.openxmlformats.org/officeDocument/2006/relationships" xmlns:p="http://schemas.openxmlformats.org/presentationml/2006/main">
-  <p:cSld>
-    <p:spTree>
-      <p:nvGrpSpPr>
-        <p:cNvPr id="1" name=""/>
-        <p:cNvGrpSpPr/>
-        <p:nvPr/>
-      </p:nvGrpSpPr>
-      <p:grpSpPr>
-        <a:xfrm>
-          <a:off x="0" y="0"/>
-          <a:ext cx="0" cy="0"/>
-          <a:chOff x="0" y="0"/>
-          <a:chExt cx="0" cy="0"/>
-        </a:xfrm>
-      </p:grpSpPr>
-      <p:sp>
-        <p:nvSpPr>
-          <p:cNvPr id="2" name="Title 1"/>
-          <p:cNvSpPr>
-            <a:spLocks noGrp="1"/>
-          </p:cNvSpPr>
-          <p:nvPr>
-            <p:ph type="title"/>
-          </p:nvPr>
-        </p:nvSpPr>
-        <p:spPr/>
-        <p:txBody>
-          <a:bodyPr/>
-          <a:lstStyle/>
-          <a:p>
-            <a:r>
-              <a:rPr lang="en-US" dirty="0" smtClean="0"/>
-              <a:t>From some tooling</a:t>
-            </a:r>
-            <a:endParaRPr lang="en-US" dirty="0"/>
-          </a:p>
-        </p:txBody>
-      </p:sp>
-      <p:pic>
-        <p:nvPicPr>
-          <p:cNvPr id="4" name="Picture 3"/>
-          <p:cNvPicPr>
-            <a:picLocks noChangeAspect="1"/>
-          </p:cNvPicPr>
-          <p:nvPr/>
-        </p:nvPicPr>
-        <p:blipFill>
-          <a:blip r:embed="rId2"/>
-          <a:stretch>
-            <a:fillRect/>
-          </a:stretch>
-        </p:blipFill>
-        <p:spPr>
-          <a:xfrm>
-            <a:off x="1211658" y="1417638"/>
-            <a:ext cx="6394048" cy="4319233"/>
-          </a:xfrm>
-          <a:prstGeom prst="rect">
-            <a:avLst/>
-          </a:prstGeom>
-        </p:spPr>
-      </p:pic>
-    </p:spTree>
-    <p:extLst>
-      <p:ext uri="{BB962C8B-B14F-4D97-AF65-F5344CB8AC3E}">
-        <p14:creationId xmlns:p14="http://schemas.microsoft.com/office/powerpoint/2010/main" val="638523365"/>
       </p:ext>
     </p:extLst>
   </p:cSld>
